--- a/ppt/DeepLearning09-Keras.pptx
+++ b/ppt/DeepLearning09-Keras.pptx
@@ -5,10 +5,10 @@
     <p:sldMasterId id="2147483653" r:id="rId1"/>
   </p:sldMasterIdLst>
   <p:notesMasterIdLst>
-    <p:notesMasterId r:id="rId48"/>
+    <p:notesMasterId r:id="rId47"/>
   </p:notesMasterIdLst>
   <p:handoutMasterIdLst>
-    <p:handoutMasterId r:id="rId49"/>
+    <p:handoutMasterId r:id="rId48"/>
   </p:handoutMasterIdLst>
   <p:sldIdLst>
     <p:sldId id="264" r:id="rId2"/>
@@ -21,42 +21,41 @@
     <p:sldId id="330" r:id="rId9"/>
     <p:sldId id="329" r:id="rId10"/>
     <p:sldId id="331" r:id="rId11"/>
-    <p:sldId id="300" r:id="rId12"/>
-    <p:sldId id="332" r:id="rId13"/>
+    <p:sldId id="332" r:id="rId12"/>
+    <p:sldId id="301" r:id="rId13"/>
     <p:sldId id="359" r:id="rId14"/>
-    <p:sldId id="301" r:id="rId15"/>
-    <p:sldId id="334" r:id="rId16"/>
-    <p:sldId id="302" r:id="rId17"/>
-    <p:sldId id="333" r:id="rId18"/>
-    <p:sldId id="316" r:id="rId19"/>
-    <p:sldId id="303" r:id="rId20"/>
-    <p:sldId id="304" r:id="rId21"/>
-    <p:sldId id="336" r:id="rId22"/>
-    <p:sldId id="335" r:id="rId23"/>
-    <p:sldId id="337" r:id="rId24"/>
-    <p:sldId id="338" r:id="rId25"/>
-    <p:sldId id="339" r:id="rId26"/>
-    <p:sldId id="340" r:id="rId27"/>
-    <p:sldId id="341" r:id="rId28"/>
-    <p:sldId id="350" r:id="rId29"/>
-    <p:sldId id="342" r:id="rId30"/>
-    <p:sldId id="343" r:id="rId31"/>
-    <p:sldId id="344" r:id="rId32"/>
-    <p:sldId id="345" r:id="rId33"/>
-    <p:sldId id="346" r:id="rId34"/>
-    <p:sldId id="360" r:id="rId35"/>
-    <p:sldId id="347" r:id="rId36"/>
-    <p:sldId id="305" r:id="rId37"/>
-    <p:sldId id="306" r:id="rId38"/>
-    <p:sldId id="361" r:id="rId39"/>
-    <p:sldId id="349" r:id="rId40"/>
-    <p:sldId id="351" r:id="rId41"/>
-    <p:sldId id="352" r:id="rId42"/>
-    <p:sldId id="354" r:id="rId43"/>
-    <p:sldId id="355" r:id="rId44"/>
-    <p:sldId id="356" r:id="rId45"/>
-    <p:sldId id="357" r:id="rId46"/>
-    <p:sldId id="362" r:id="rId47"/>
+    <p:sldId id="334" r:id="rId15"/>
+    <p:sldId id="302" r:id="rId16"/>
+    <p:sldId id="333" r:id="rId17"/>
+    <p:sldId id="316" r:id="rId18"/>
+    <p:sldId id="303" r:id="rId19"/>
+    <p:sldId id="304" r:id="rId20"/>
+    <p:sldId id="336" r:id="rId21"/>
+    <p:sldId id="335" r:id="rId22"/>
+    <p:sldId id="337" r:id="rId23"/>
+    <p:sldId id="338" r:id="rId24"/>
+    <p:sldId id="339" r:id="rId25"/>
+    <p:sldId id="340" r:id="rId26"/>
+    <p:sldId id="341" r:id="rId27"/>
+    <p:sldId id="350" r:id="rId28"/>
+    <p:sldId id="342" r:id="rId29"/>
+    <p:sldId id="343" r:id="rId30"/>
+    <p:sldId id="344" r:id="rId31"/>
+    <p:sldId id="345" r:id="rId32"/>
+    <p:sldId id="346" r:id="rId33"/>
+    <p:sldId id="360" r:id="rId34"/>
+    <p:sldId id="347" r:id="rId35"/>
+    <p:sldId id="305" r:id="rId36"/>
+    <p:sldId id="306" r:id="rId37"/>
+    <p:sldId id="361" r:id="rId38"/>
+    <p:sldId id="349" r:id="rId39"/>
+    <p:sldId id="351" r:id="rId40"/>
+    <p:sldId id="352" r:id="rId41"/>
+    <p:sldId id="354" r:id="rId42"/>
+    <p:sldId id="355" r:id="rId43"/>
+    <p:sldId id="356" r:id="rId44"/>
+    <p:sldId id="357" r:id="rId45"/>
+    <p:sldId id="362" r:id="rId46"/>
   </p:sldIdLst>
   <p:sldSz cx="9144000" cy="6858000" type="screen4x3"/>
   <p:notesSz cx="6648450" cy="9782175"/>
@@ -4032,169 +4031,6 @@
           <a:p>
             <a:r>
               <a:rPr lang="fr-FR" dirty="0" err="1"/>
-              <a:t>Initializer</a:t>
-            </a:r>
-            <a:endParaRPr lang="fr-FR" dirty="0"/>
-          </a:p>
-        </p:txBody>
-      </p:sp>
-      <p:sp>
-        <p:nvSpPr>
-          <p:cNvPr id="3" name="Espace réservé du contenu 2"/>
-          <p:cNvSpPr>
-            <a:spLocks noGrp="1"/>
-          </p:cNvSpPr>
-          <p:nvPr>
-            <p:ph idx="1"/>
-          </p:nvPr>
-        </p:nvSpPr>
-        <p:spPr/>
-        <p:txBody>
-          <a:bodyPr/>
-          <a:lstStyle/>
-          <a:p>
-            <a:r>
-              <a:rPr lang="fr-FR" dirty="0" err="1"/>
-              <a:t>kernel_initializer</a:t>
-            </a:r>
-            <a:r>
-              <a:rPr lang="fr-FR" dirty="0"/>
-              <a:t> et </a:t>
-            </a:r>
-            <a:r>
-              <a:rPr lang="fr-FR" dirty="0" err="1"/>
-              <a:t>bias_initializer</a:t>
-            </a:r>
-            <a:endParaRPr lang="fr-FR" dirty="0"/>
-          </a:p>
-          <a:p>
-            <a:pPr lvl="1"/>
-            <a:r>
-              <a:rPr lang="fr-FR" dirty="0"/>
-              <a:t>Valeur initiale des poids</a:t>
-            </a:r>
-          </a:p>
-          <a:p>
-            <a:pPr lvl="1"/>
-            <a:r>
-              <a:rPr lang="fr-FR" dirty="0"/>
-              <a:t>Par défaut </a:t>
-            </a:r>
-            <a:r>
-              <a:rPr lang="fr-FR" dirty="0" err="1"/>
-              <a:t>glorot_normal</a:t>
-            </a:r>
-            <a:endParaRPr lang="fr-FR" dirty="0"/>
-          </a:p>
-          <a:p>
-            <a:pPr lvl="1"/>
-            <a:r>
-              <a:rPr lang="fr-FR" dirty="0" err="1"/>
-              <a:t>sqrt</a:t>
-            </a:r>
-            <a:r>
-              <a:rPr lang="fr-FR" dirty="0"/>
-              <a:t>(2 / (</a:t>
-            </a:r>
-            <a:r>
-              <a:rPr lang="fr-FR" dirty="0" err="1"/>
-              <a:t>nb_in</a:t>
-            </a:r>
-            <a:r>
-              <a:rPr lang="fr-FR" dirty="0"/>
-              <a:t> + </a:t>
-            </a:r>
-            <a:r>
-              <a:rPr lang="fr-FR" dirty="0" err="1"/>
-              <a:t>nb_out</a:t>
-            </a:r>
-            <a:r>
-              <a:rPr lang="fr-FR" dirty="0"/>
-              <a:t>))</a:t>
-            </a:r>
-          </a:p>
-          <a:p>
-            <a:pPr lvl="1"/>
-            <a:r>
-              <a:rPr lang="fr-FR" dirty="0" err="1"/>
-              <a:t>nb_in</a:t>
-            </a:r>
-            <a:r>
-              <a:rPr lang="fr-FR" dirty="0"/>
-              <a:t> = nb input du perceptron (</a:t>
-            </a:r>
-            <a:r>
-              <a:rPr lang="fr-FR" dirty="0" err="1"/>
-              <a:t>tensor</a:t>
-            </a:r>
-            <a:r>
-              <a:rPr lang="fr-FR" dirty="0"/>
-              <a:t>)</a:t>
-            </a:r>
-          </a:p>
-          <a:p>
-            <a:pPr lvl="1"/>
-            <a:r>
-              <a:rPr lang="fr-FR" dirty="0" err="1"/>
-              <a:t>nb_out</a:t>
-            </a:r>
-            <a:r>
-              <a:rPr lang="fr-FR" dirty="0"/>
-              <a:t> = nb output</a:t>
-            </a:r>
-          </a:p>
-          <a:p>
-            <a:endParaRPr lang="fr-FR" dirty="0"/>
-          </a:p>
-        </p:txBody>
-      </p:sp>
-    </p:spTree>
-    <p:extLst>
-      <p:ext uri="{BB962C8B-B14F-4D97-AF65-F5344CB8AC3E}">
-        <p14:creationId xmlns:p14="http://schemas.microsoft.com/office/powerpoint/2010/main" val="1545217778"/>
-      </p:ext>
-    </p:extLst>
-  </p:cSld>
-  <p:clrMapOvr>
-    <a:masterClrMapping/>
-  </p:clrMapOvr>
-</p:sld>
-</file>
-
-<file path=ppt/slides/slide12.xml><?xml version="1.0" encoding="utf-8"?>
-<p:sld xmlns:a="http://schemas.openxmlformats.org/drawingml/2006/main" xmlns:r="http://schemas.openxmlformats.org/officeDocument/2006/relationships" xmlns:p="http://schemas.openxmlformats.org/presentationml/2006/main">
-  <p:cSld>
-    <p:spTree>
-      <p:nvGrpSpPr>
-        <p:cNvPr id="1" name=""/>
-        <p:cNvGrpSpPr/>
-        <p:nvPr/>
-      </p:nvGrpSpPr>
-      <p:grpSpPr>
-        <a:xfrm>
-          <a:off x="0" y="0"/>
-          <a:ext cx="0" cy="0"/>
-          <a:chOff x="0" y="0"/>
-          <a:chExt cx="0" cy="0"/>
-        </a:xfrm>
-      </p:grpSpPr>
-      <p:sp>
-        <p:nvSpPr>
-          <p:cNvPr id="2" name="Titre 1"/>
-          <p:cNvSpPr>
-            <a:spLocks noGrp="1"/>
-          </p:cNvSpPr>
-          <p:nvPr>
-            <p:ph type="title"/>
-          </p:nvPr>
-        </p:nvSpPr>
-        <p:spPr/>
-        <p:txBody>
-          <a:bodyPr/>
-          <a:lstStyle/>
-          <a:p>
-            <a:r>
-              <a:rPr lang="fr-FR" dirty="0" err="1"/>
               <a:t>Optimizer</a:t>
             </a:r>
             <a:endParaRPr lang="fr-FR" dirty="0"/>
@@ -4323,6 +4159,242 @@
     <p:extLst>
       <p:ext uri="{BB962C8B-B14F-4D97-AF65-F5344CB8AC3E}">
         <p14:creationId xmlns:p14="http://schemas.microsoft.com/office/powerpoint/2010/main" val="2642919999"/>
+      </p:ext>
+    </p:extLst>
+  </p:cSld>
+  <p:clrMapOvr>
+    <a:masterClrMapping/>
+  </p:clrMapOvr>
+</p:sld>
+</file>
+
+<file path=ppt/slides/slide12.xml><?xml version="1.0" encoding="utf-8"?>
+<p:sld xmlns:a="http://schemas.openxmlformats.org/drawingml/2006/main" xmlns:r="http://schemas.openxmlformats.org/officeDocument/2006/relationships" xmlns:p="http://schemas.openxmlformats.org/presentationml/2006/main">
+  <p:cSld>
+    <p:spTree>
+      <p:nvGrpSpPr>
+        <p:cNvPr id="1" name=""/>
+        <p:cNvGrpSpPr/>
+        <p:nvPr/>
+      </p:nvGrpSpPr>
+      <p:grpSpPr>
+        <a:xfrm>
+          <a:off x="0" y="0"/>
+          <a:ext cx="0" cy="0"/>
+          <a:chOff x="0" y="0"/>
+          <a:chExt cx="0" cy="0"/>
+        </a:xfrm>
+      </p:grpSpPr>
+      <p:sp>
+        <p:nvSpPr>
+          <p:cNvPr id="2" name="Titre 1"/>
+          <p:cNvSpPr>
+            <a:spLocks noGrp="1"/>
+          </p:cNvSpPr>
+          <p:nvPr>
+            <p:ph type="title"/>
+          </p:nvPr>
+        </p:nvSpPr>
+        <p:spPr/>
+        <p:txBody>
+          <a:bodyPr/>
+          <a:lstStyle/>
+          <a:p>
+            <a:r>
+              <a:rPr lang="fr-FR" dirty="0"/>
+              <a:t>Compile</a:t>
+            </a:r>
+          </a:p>
+        </p:txBody>
+      </p:sp>
+      <p:sp>
+        <p:nvSpPr>
+          <p:cNvPr id="3" name="Espace réservé du contenu 2"/>
+          <p:cNvSpPr>
+            <a:spLocks noGrp="1"/>
+          </p:cNvSpPr>
+          <p:nvPr>
+            <p:ph idx="1"/>
+          </p:nvPr>
+        </p:nvSpPr>
+        <p:spPr/>
+        <p:txBody>
+          <a:bodyPr/>
+          <a:lstStyle/>
+          <a:p>
+            <a:r>
+              <a:rPr lang="fr-FR" dirty="0"/>
+              <a:t>Compile construit le réseau de tenseurs</a:t>
+            </a:r>
+          </a:p>
+          <a:p>
+            <a:endParaRPr lang="fr-FR" dirty="0"/>
+          </a:p>
+          <a:p>
+            <a:endParaRPr lang="fr-FR" dirty="0"/>
+          </a:p>
+          <a:p>
+            <a:pPr lvl="1"/>
+            <a:r>
+              <a:rPr lang="fr-FR" dirty="0" err="1"/>
+              <a:t>Loss</a:t>
+            </a:r>
+            <a:endParaRPr lang="fr-FR" dirty="0"/>
+          </a:p>
+          <a:p>
+            <a:pPr lvl="2"/>
+            <a:r>
+              <a:rPr lang="fr-FR" dirty="0"/>
+              <a:t>Méthode de calcul du </a:t>
+            </a:r>
+            <a:r>
+              <a:rPr lang="fr-FR" dirty="0" err="1"/>
+              <a:t>loss</a:t>
+            </a:r>
+            <a:endParaRPr lang="fr-FR" dirty="0"/>
+          </a:p>
+          <a:p>
+            <a:pPr lvl="2"/>
+            <a:r>
+              <a:rPr lang="fr-FR" dirty="0" err="1"/>
+              <a:t>mse</a:t>
+            </a:r>
+            <a:r>
+              <a:rPr lang="fr-FR" dirty="0"/>
+              <a:t> :  </a:t>
+            </a:r>
+            <a:r>
+              <a:rPr lang="fr-FR" dirty="0" err="1"/>
+              <a:t>Mean</a:t>
+            </a:r>
+            <a:r>
+              <a:rPr lang="fr-FR" dirty="0"/>
+              <a:t> </a:t>
+            </a:r>
+            <a:r>
+              <a:rPr lang="fr-FR" dirty="0" err="1"/>
+              <a:t>Squared</a:t>
+            </a:r>
+            <a:r>
+              <a:rPr lang="fr-FR" dirty="0"/>
+              <a:t> </a:t>
+            </a:r>
+            <a:r>
+              <a:rPr lang="fr-FR" dirty="0" err="1"/>
+              <a:t>Error</a:t>
+            </a:r>
+            <a:endParaRPr lang="fr-FR" dirty="0"/>
+          </a:p>
+          <a:p>
+            <a:pPr lvl="1"/>
+            <a:r>
+              <a:rPr lang="fr-FR" dirty="0" err="1"/>
+              <a:t>Metrics</a:t>
+            </a:r>
+            <a:endParaRPr lang="fr-FR" dirty="0"/>
+          </a:p>
+          <a:p>
+            <a:pPr lvl="2"/>
+            <a:r>
+              <a:rPr lang="fr-FR" dirty="0"/>
+              <a:t>Par défaut seul le </a:t>
+            </a:r>
+            <a:r>
+              <a:rPr lang="fr-FR" dirty="0" err="1"/>
+              <a:t>loss</a:t>
+            </a:r>
+            <a:r>
+              <a:rPr lang="fr-FR" dirty="0"/>
+              <a:t> est affiché (peu parlant)</a:t>
+            </a:r>
+          </a:p>
+          <a:p>
+            <a:pPr lvl="2"/>
+            <a:r>
+              <a:rPr lang="fr-FR" dirty="0"/>
+              <a:t>Le </a:t>
+            </a:r>
+            <a:r>
+              <a:rPr lang="fr-FR" dirty="0" err="1"/>
+              <a:t>metric</a:t>
+            </a:r>
+            <a:r>
+              <a:rPr lang="fr-FR" dirty="0"/>
+              <a:t> le plus parlant est </a:t>
+            </a:r>
+            <a:r>
+              <a:rPr lang="fr-FR" dirty="0" err="1"/>
+              <a:t>accuracy</a:t>
+            </a:r>
+            <a:r>
+              <a:rPr lang="fr-FR" dirty="0"/>
+              <a:t> qui affiche la précision du calcul soit </a:t>
+            </a:r>
+            <a:r>
+              <a:rPr lang="fr-FR" dirty="0" err="1"/>
+              <a:t>nbGoodResult</a:t>
+            </a:r>
+            <a:r>
+              <a:rPr lang="fr-FR" dirty="0"/>
+              <a:t> / </a:t>
+            </a:r>
+            <a:r>
+              <a:rPr lang="fr-FR" dirty="0" err="1"/>
+              <a:t>nbTotalItem</a:t>
+            </a:r>
+            <a:endParaRPr lang="fr-FR" dirty="0"/>
+          </a:p>
+          <a:p>
+            <a:r>
+              <a:rPr lang="fr-FR" dirty="0" err="1"/>
+              <a:t>Model.summary</a:t>
+            </a:r>
+            <a:r>
+              <a:rPr lang="fr-FR" dirty="0"/>
+              <a:t>()</a:t>
+            </a:r>
+          </a:p>
+          <a:p>
+            <a:pPr lvl="1"/>
+            <a:r>
+              <a:rPr lang="fr-FR" dirty="0"/>
+              <a:t>Affiche le réseau</a:t>
+            </a:r>
+          </a:p>
+          <a:p>
+            <a:pPr lvl="1"/>
+            <a:endParaRPr lang="fr-FR" dirty="0"/>
+          </a:p>
+        </p:txBody>
+      </p:sp>
+      <p:pic>
+        <p:nvPicPr>
+          <p:cNvPr id="4" name="Image 3"/>
+          <p:cNvPicPr>
+            <a:picLocks noChangeAspect="1"/>
+          </p:cNvPicPr>
+          <p:nvPr/>
+        </p:nvPicPr>
+        <p:blipFill>
+          <a:blip r:embed="rId2"/>
+          <a:stretch>
+            <a:fillRect/>
+          </a:stretch>
+        </p:blipFill>
+        <p:spPr>
+          <a:xfrm>
+            <a:off x="1331640" y="2060848"/>
+            <a:ext cx="6790469" cy="936104"/>
+          </a:xfrm>
+          <a:prstGeom prst="rect">
+            <a:avLst/>
+          </a:prstGeom>
+        </p:spPr>
+      </p:pic>
+    </p:spTree>
+    <p:extLst>
+      <p:ext uri="{BB962C8B-B14F-4D97-AF65-F5344CB8AC3E}">
+        <p14:creationId xmlns:p14="http://schemas.microsoft.com/office/powerpoint/2010/main" val="3362192265"/>
       </p:ext>
     </p:extLst>
   </p:cSld>
@@ -4460,242 +4532,6 @@
           <a:p>
             <a:r>
               <a:rPr lang="fr-FR" dirty="0"/>
-              <a:t>Compile</a:t>
-            </a:r>
-          </a:p>
-        </p:txBody>
-      </p:sp>
-      <p:sp>
-        <p:nvSpPr>
-          <p:cNvPr id="3" name="Espace réservé du contenu 2"/>
-          <p:cNvSpPr>
-            <a:spLocks noGrp="1"/>
-          </p:cNvSpPr>
-          <p:nvPr>
-            <p:ph idx="1"/>
-          </p:nvPr>
-        </p:nvSpPr>
-        <p:spPr/>
-        <p:txBody>
-          <a:bodyPr/>
-          <a:lstStyle/>
-          <a:p>
-            <a:r>
-              <a:rPr lang="fr-FR" dirty="0"/>
-              <a:t>Compile construit le réseaux de tenseurs</a:t>
-            </a:r>
-          </a:p>
-          <a:p>
-            <a:endParaRPr lang="fr-FR" dirty="0"/>
-          </a:p>
-          <a:p>
-            <a:endParaRPr lang="fr-FR" dirty="0"/>
-          </a:p>
-          <a:p>
-            <a:pPr lvl="1"/>
-            <a:r>
-              <a:rPr lang="fr-FR" dirty="0" err="1"/>
-              <a:t>Loss</a:t>
-            </a:r>
-            <a:endParaRPr lang="fr-FR" dirty="0"/>
-          </a:p>
-          <a:p>
-            <a:pPr lvl="2"/>
-            <a:r>
-              <a:rPr lang="fr-FR" dirty="0"/>
-              <a:t>Méthode de calcul du </a:t>
-            </a:r>
-            <a:r>
-              <a:rPr lang="fr-FR" dirty="0" err="1"/>
-              <a:t>loss</a:t>
-            </a:r>
-            <a:endParaRPr lang="fr-FR" dirty="0"/>
-          </a:p>
-          <a:p>
-            <a:pPr lvl="2"/>
-            <a:r>
-              <a:rPr lang="fr-FR" dirty="0" err="1"/>
-              <a:t>mse</a:t>
-            </a:r>
-            <a:r>
-              <a:rPr lang="fr-FR" dirty="0"/>
-              <a:t> :  </a:t>
-            </a:r>
-            <a:r>
-              <a:rPr lang="fr-FR" dirty="0" err="1"/>
-              <a:t>Mean</a:t>
-            </a:r>
-            <a:r>
-              <a:rPr lang="fr-FR" dirty="0"/>
-              <a:t> </a:t>
-            </a:r>
-            <a:r>
-              <a:rPr lang="fr-FR" dirty="0" err="1"/>
-              <a:t>Squared</a:t>
-            </a:r>
-            <a:r>
-              <a:rPr lang="fr-FR" dirty="0"/>
-              <a:t> </a:t>
-            </a:r>
-            <a:r>
-              <a:rPr lang="fr-FR" dirty="0" err="1"/>
-              <a:t>Error</a:t>
-            </a:r>
-            <a:endParaRPr lang="fr-FR" dirty="0"/>
-          </a:p>
-          <a:p>
-            <a:pPr lvl="1"/>
-            <a:r>
-              <a:rPr lang="fr-FR" dirty="0" err="1"/>
-              <a:t>Metrics</a:t>
-            </a:r>
-            <a:endParaRPr lang="fr-FR" dirty="0"/>
-          </a:p>
-          <a:p>
-            <a:pPr lvl="2"/>
-            <a:r>
-              <a:rPr lang="fr-FR" dirty="0"/>
-              <a:t>Par défaut seul le </a:t>
-            </a:r>
-            <a:r>
-              <a:rPr lang="fr-FR" dirty="0" err="1"/>
-              <a:t>loss</a:t>
-            </a:r>
-            <a:r>
-              <a:rPr lang="fr-FR" dirty="0"/>
-              <a:t> est affiché (peu parlant)</a:t>
-            </a:r>
-          </a:p>
-          <a:p>
-            <a:pPr lvl="2"/>
-            <a:r>
-              <a:rPr lang="fr-FR" dirty="0"/>
-              <a:t>Le </a:t>
-            </a:r>
-            <a:r>
-              <a:rPr lang="fr-FR" dirty="0" err="1"/>
-              <a:t>metric</a:t>
-            </a:r>
-            <a:r>
-              <a:rPr lang="fr-FR" dirty="0"/>
-              <a:t> le plus parlant est </a:t>
-            </a:r>
-            <a:r>
-              <a:rPr lang="fr-FR" dirty="0" err="1"/>
-              <a:t>accuracy</a:t>
-            </a:r>
-            <a:r>
-              <a:rPr lang="fr-FR" dirty="0"/>
-              <a:t> qui affiche la précision du calcul soit </a:t>
-            </a:r>
-            <a:r>
-              <a:rPr lang="fr-FR" dirty="0" err="1"/>
-              <a:t>nbGoodResult</a:t>
-            </a:r>
-            <a:r>
-              <a:rPr lang="fr-FR" dirty="0"/>
-              <a:t> / </a:t>
-            </a:r>
-            <a:r>
-              <a:rPr lang="fr-FR" dirty="0" err="1"/>
-              <a:t>nbTotalItem</a:t>
-            </a:r>
-            <a:endParaRPr lang="fr-FR" dirty="0"/>
-          </a:p>
-          <a:p>
-            <a:r>
-              <a:rPr lang="fr-FR" dirty="0" err="1"/>
-              <a:t>Model.summary</a:t>
-            </a:r>
-            <a:r>
-              <a:rPr lang="fr-FR" dirty="0"/>
-              <a:t>()</a:t>
-            </a:r>
-          </a:p>
-          <a:p>
-            <a:pPr lvl="1"/>
-            <a:r>
-              <a:rPr lang="fr-FR" dirty="0"/>
-              <a:t>Affiche le réseau</a:t>
-            </a:r>
-          </a:p>
-          <a:p>
-            <a:pPr lvl="1"/>
-            <a:endParaRPr lang="fr-FR" dirty="0"/>
-          </a:p>
-        </p:txBody>
-      </p:sp>
-      <p:pic>
-        <p:nvPicPr>
-          <p:cNvPr id="4" name="Image 3"/>
-          <p:cNvPicPr>
-            <a:picLocks noChangeAspect="1"/>
-          </p:cNvPicPr>
-          <p:nvPr/>
-        </p:nvPicPr>
-        <p:blipFill>
-          <a:blip r:embed="rId2"/>
-          <a:stretch>
-            <a:fillRect/>
-          </a:stretch>
-        </p:blipFill>
-        <p:spPr>
-          <a:xfrm>
-            <a:off x="1331640" y="2060848"/>
-            <a:ext cx="6790469" cy="936104"/>
-          </a:xfrm>
-          <a:prstGeom prst="rect">
-            <a:avLst/>
-          </a:prstGeom>
-        </p:spPr>
-      </p:pic>
-    </p:spTree>
-    <p:extLst>
-      <p:ext uri="{BB962C8B-B14F-4D97-AF65-F5344CB8AC3E}">
-        <p14:creationId xmlns:p14="http://schemas.microsoft.com/office/powerpoint/2010/main" val="3362192265"/>
-      </p:ext>
-    </p:extLst>
-  </p:cSld>
-  <p:clrMapOvr>
-    <a:masterClrMapping/>
-  </p:clrMapOvr>
-</p:sld>
-</file>
-
-<file path=ppt/slides/slide15.xml><?xml version="1.0" encoding="utf-8"?>
-<p:sld xmlns:a="http://schemas.openxmlformats.org/drawingml/2006/main" xmlns:r="http://schemas.openxmlformats.org/officeDocument/2006/relationships" xmlns:p="http://schemas.openxmlformats.org/presentationml/2006/main">
-  <p:cSld>
-    <p:spTree>
-      <p:nvGrpSpPr>
-        <p:cNvPr id="1" name=""/>
-        <p:cNvGrpSpPr/>
-        <p:nvPr/>
-      </p:nvGrpSpPr>
-      <p:grpSpPr>
-        <a:xfrm>
-          <a:off x="0" y="0"/>
-          <a:ext cx="0" cy="0"/>
-          <a:chOff x="0" y="0"/>
-          <a:chExt cx="0" cy="0"/>
-        </a:xfrm>
-      </p:grpSpPr>
-      <p:sp>
-        <p:nvSpPr>
-          <p:cNvPr id="2" name="Titre 1"/>
-          <p:cNvSpPr>
-            <a:spLocks noGrp="1"/>
-          </p:cNvSpPr>
-          <p:nvPr>
-            <p:ph type="title"/>
-          </p:nvPr>
-        </p:nvSpPr>
-        <p:spPr/>
-        <p:txBody>
-          <a:bodyPr/>
-          <a:lstStyle/>
-          <a:p>
-            <a:r>
-              <a:rPr lang="fr-FR" dirty="0"/>
               <a:t>Exemple complet de compilation</a:t>
             </a:r>
           </a:p>
@@ -4738,7 +4574,7 @@
 </p:sld>
 </file>
 
-<file path=ppt/slides/slide16.xml><?xml version="1.0" encoding="utf-8"?>
+<file path=ppt/slides/slide15.xml><?xml version="1.0" encoding="utf-8"?>
 <p:sld xmlns:a="http://schemas.openxmlformats.org/drawingml/2006/main" xmlns:r="http://schemas.openxmlformats.org/officeDocument/2006/relationships" xmlns:p="http://schemas.openxmlformats.org/presentationml/2006/main">
   <p:cSld>
     <p:spTree>
@@ -4883,7 +4719,7 @@
 </p:sld>
 </file>
 
-<file path=ppt/slides/slide17.xml><?xml version="1.0" encoding="utf-8"?>
+<file path=ppt/slides/slide16.xml><?xml version="1.0" encoding="utf-8"?>
 <p:sld xmlns:a="http://schemas.openxmlformats.org/drawingml/2006/main" xmlns:r="http://schemas.openxmlformats.org/officeDocument/2006/relationships" xmlns:p="http://schemas.openxmlformats.org/presentationml/2006/main">
   <p:cSld>
     <p:spTree>
@@ -5059,7 +4895,7 @@
 </p:sld>
 </file>
 
-<file path=ppt/slides/slide18.xml><?xml version="1.0" encoding="utf-8"?>
+<file path=ppt/slides/slide17.xml><?xml version="1.0" encoding="utf-8"?>
 <p:sld xmlns:a="http://schemas.openxmlformats.org/drawingml/2006/main" xmlns:r="http://schemas.openxmlformats.org/officeDocument/2006/relationships" xmlns:p="http://schemas.openxmlformats.org/presentationml/2006/main">
   <p:cSld>
     <p:spTree>
@@ -5167,6 +5003,130 @@
 </p:sld>
 </file>
 
+<file path=ppt/slides/slide18.xml><?xml version="1.0" encoding="utf-8"?>
+<p:sld xmlns:a="http://schemas.openxmlformats.org/drawingml/2006/main" xmlns:r="http://schemas.openxmlformats.org/officeDocument/2006/relationships" xmlns:p="http://schemas.openxmlformats.org/presentationml/2006/main">
+  <p:cSld>
+    <p:spTree>
+      <p:nvGrpSpPr>
+        <p:cNvPr id="1" name=""/>
+        <p:cNvGrpSpPr/>
+        <p:nvPr/>
+      </p:nvGrpSpPr>
+      <p:grpSpPr>
+        <a:xfrm>
+          <a:off x="0" y="0"/>
+          <a:ext cx="0" cy="0"/>
+          <a:chOff x="0" y="0"/>
+          <a:chExt cx="0" cy="0"/>
+        </a:xfrm>
+      </p:grpSpPr>
+      <p:sp>
+        <p:nvSpPr>
+          <p:cNvPr id="2" name="Titre 1"/>
+          <p:cNvSpPr>
+            <a:spLocks noGrp="1"/>
+          </p:cNvSpPr>
+          <p:nvPr>
+            <p:ph type="title"/>
+          </p:nvPr>
+        </p:nvSpPr>
+        <p:spPr/>
+        <p:txBody>
+          <a:bodyPr/>
+          <a:lstStyle/>
+          <a:p>
+            <a:r>
+              <a:rPr lang="fr-FR" dirty="0" err="1"/>
+              <a:t>Evaluate</a:t>
+            </a:r>
+            <a:endParaRPr lang="fr-FR" dirty="0"/>
+          </a:p>
+        </p:txBody>
+      </p:sp>
+      <p:sp>
+        <p:nvSpPr>
+          <p:cNvPr id="3" name="Espace réservé du contenu 2"/>
+          <p:cNvSpPr>
+            <a:spLocks noGrp="1"/>
+          </p:cNvSpPr>
+          <p:nvPr>
+            <p:ph idx="1"/>
+          </p:nvPr>
+        </p:nvSpPr>
+        <p:spPr/>
+        <p:txBody>
+          <a:bodyPr/>
+          <a:lstStyle/>
+          <a:p>
+            <a:r>
+              <a:rPr lang="fr-FR" dirty="0"/>
+              <a:t>Evalue le modèle</a:t>
+            </a:r>
+          </a:p>
+          <a:p>
+            <a:pPr lvl="1"/>
+            <a:r>
+              <a:rPr lang="fr-FR" dirty="0" err="1"/>
+              <a:t>Metrics</a:t>
+            </a:r>
+            <a:r>
+              <a:rPr lang="fr-FR" dirty="0"/>
+              <a:t> = </a:t>
+            </a:r>
+            <a:r>
+              <a:rPr lang="fr-FR" dirty="0" err="1"/>
+              <a:t>model.evaluate</a:t>
+            </a:r>
+            <a:r>
+              <a:rPr lang="fr-FR" dirty="0"/>
+              <a:t>(</a:t>
+            </a:r>
+            <a:r>
+              <a:rPr lang="fr-FR" dirty="0" err="1"/>
+              <a:t>dataset</a:t>
+            </a:r>
+            <a:r>
+              <a:rPr lang="fr-FR" dirty="0"/>
+              <a:t>)</a:t>
+            </a:r>
+          </a:p>
+          <a:p>
+            <a:r>
+              <a:rPr lang="fr-FR" dirty="0"/>
+              <a:t>Calcul les </a:t>
+            </a:r>
+            <a:r>
+              <a:rPr lang="fr-FR" dirty="0" err="1"/>
+              <a:t>metrics</a:t>
+            </a:r>
+            <a:r>
+              <a:rPr lang="fr-FR" dirty="0"/>
+              <a:t> du </a:t>
+            </a:r>
+            <a:r>
+              <a:rPr lang="fr-FR" dirty="0" err="1"/>
+              <a:t>dataset</a:t>
+            </a:r>
+            <a:r>
+              <a:rPr lang="fr-FR" dirty="0"/>
+              <a:t> après l’apprentissage</a:t>
+            </a:r>
+          </a:p>
+        </p:txBody>
+      </p:sp>
+    </p:spTree>
+    <p:extLst>
+      <p:ext uri="{BB962C8B-B14F-4D97-AF65-F5344CB8AC3E}">
+        <p14:creationId xmlns:p14="http://schemas.microsoft.com/office/powerpoint/2010/main" val="2218724052"/>
+      </p:ext>
+    </p:extLst>
+  </p:cSld>
+  <p:clrMapOvr>
+    <a:masterClrMapping/>
+  </p:clrMapOvr>
+</p:sld>
+</file>
+
 <file path=ppt/slides/slide19.xml><?xml version="1.0" encoding="utf-8"?>
 <p:sld xmlns:a="http://schemas.openxmlformats.org/drawingml/2006/main" xmlns:r="http://schemas.openxmlformats.org/officeDocument/2006/relationships" xmlns:p="http://schemas.openxmlformats.org/presentationml/2006/main">
   <p:cSld>
@@ -5201,7 +5161,7 @@
           <a:p>
             <a:r>
               <a:rPr lang="fr-FR" dirty="0" err="1"/>
-              <a:t>Evaluate</a:t>
+              <a:t>Predict</a:t>
             </a:r>
             <a:endParaRPr lang="fr-FR" dirty="0"/>
           </a:p>
@@ -5224,14 +5184,14 @@
           <a:p>
             <a:r>
               <a:rPr lang="fr-FR" dirty="0"/>
-              <a:t>Evalue le modèle</a:t>
-            </a:r>
-          </a:p>
-          <a:p>
-            <a:pPr lvl="1"/>
-            <a:r>
-              <a:rPr lang="fr-FR" dirty="0" err="1"/>
-              <a:t>Metrics</a:t>
+              <a:t>Prédiction</a:t>
+            </a:r>
+          </a:p>
+          <a:p>
+            <a:pPr lvl="1"/>
+            <a:r>
+              <a:rPr lang="fr-FR" dirty="0" err="1"/>
+              <a:t>result</a:t>
             </a:r>
             <a:r>
               <a:rPr lang="fr-FR" dirty="0"/>
@@ -5239,57 +5199,60 @@
             </a:r>
             <a:r>
               <a:rPr lang="fr-FR" dirty="0" err="1"/>
-              <a:t>model.evaluate</a:t>
-            </a:r>
-            <a:r>
-              <a:rPr lang="fr-FR" dirty="0"/>
-              <a:t>(</a:t>
-            </a:r>
-            <a:r>
-              <a:rPr lang="fr-FR" dirty="0" err="1"/>
-              <a:t>dataset</a:t>
-            </a:r>
-            <a:r>
-              <a:rPr lang="fr-FR" dirty="0"/>
-              <a:t>, </a:t>
-            </a:r>
-            <a:r>
-              <a:rPr lang="fr-FR" dirty="0" err="1"/>
-              <a:t>steps</a:t>
-            </a:r>
-            <a:r>
-              <a:rPr lang="fr-FR" dirty="0"/>
-              <a:t>=30)</a:t>
-            </a:r>
-          </a:p>
-          <a:p>
-            <a:r>
-              <a:rPr lang="fr-FR" dirty="0"/>
-              <a:t>Calcul les </a:t>
-            </a:r>
-            <a:r>
-              <a:rPr lang="fr-FR" dirty="0" err="1"/>
-              <a:t>metrics</a:t>
-            </a:r>
-            <a:r>
-              <a:rPr lang="fr-FR" dirty="0"/>
-              <a:t> du </a:t>
-            </a:r>
-            <a:r>
-              <a:rPr lang="fr-FR" dirty="0" err="1"/>
-              <a:t>dataset</a:t>
-            </a:r>
-            <a:r>
-              <a:rPr lang="fr-FR" dirty="0"/>
-              <a:t> après l’apprentissage</a:t>
-            </a:r>
-          </a:p>
-        </p:txBody>
-      </p:sp>
+              <a:t>model.predict</a:t>
+            </a:r>
+            <a:r>
+              <a:rPr lang="fr-FR" dirty="0"/>
+              <a:t>(data)</a:t>
+            </a:r>
+          </a:p>
+          <a:p>
+            <a:r>
+              <a:rPr lang="fr-FR" dirty="0"/>
+              <a:t>Calcul la prédiction pour data</a:t>
+            </a:r>
+          </a:p>
+          <a:p>
+            <a:pPr lvl="1"/>
+            <a:r>
+              <a:rPr lang="fr-FR" dirty="0" err="1"/>
+              <a:t>Batch_size</a:t>
+            </a:r>
+            <a:r>
+              <a:rPr lang="fr-FR" dirty="0"/>
+              <a:t> définit le nombre de données analysées dans le même cycle GPU</a:t>
+            </a:r>
+          </a:p>
+        </p:txBody>
+      </p:sp>
+      <p:pic>
+        <p:nvPicPr>
+          <p:cNvPr id="4" name="Image 3"/>
+          <p:cNvPicPr>
+            <a:picLocks noChangeAspect="1"/>
+          </p:cNvPicPr>
+          <p:nvPr/>
+        </p:nvPicPr>
+        <p:blipFill>
+          <a:blip r:embed="rId2"/>
+          <a:stretch>
+            <a:fillRect/>
+          </a:stretch>
+        </p:blipFill>
+        <p:spPr>
+          <a:xfrm>
+            <a:off x="1187624" y="3933056"/>
+            <a:ext cx="6252599" cy="1800200"/>
+          </a:xfrm>
+          <a:prstGeom prst="rect">
+            <a:avLst/>
+          </a:prstGeom>
+        </p:spPr>
+      </p:pic>
     </p:spTree>
     <p:extLst>
       <p:ext uri="{BB962C8B-B14F-4D97-AF65-F5344CB8AC3E}">
-        <p14:creationId xmlns:p14="http://schemas.microsoft.com/office/powerpoint/2010/main" val="2218724052"/>
+        <p14:creationId xmlns:p14="http://schemas.microsoft.com/office/powerpoint/2010/main" val="666403504"/>
       </p:ext>
     </p:extLst>
   </p:cSld>
@@ -5602,149 +5565,6 @@
           <a:p>
             <a:r>
               <a:rPr lang="fr-FR" dirty="0" err="1"/>
-              <a:t>Predict</a:t>
-            </a:r>
-            <a:endParaRPr lang="fr-FR" dirty="0"/>
-          </a:p>
-        </p:txBody>
-      </p:sp>
-      <p:sp>
-        <p:nvSpPr>
-          <p:cNvPr id="3" name="Espace réservé du contenu 2"/>
-          <p:cNvSpPr>
-            <a:spLocks noGrp="1"/>
-          </p:cNvSpPr>
-          <p:nvPr>
-            <p:ph idx="1"/>
-          </p:nvPr>
-        </p:nvSpPr>
-        <p:spPr/>
-        <p:txBody>
-          <a:bodyPr/>
-          <a:lstStyle/>
-          <a:p>
-            <a:r>
-              <a:rPr lang="fr-FR" dirty="0"/>
-              <a:t>Prédiction</a:t>
-            </a:r>
-          </a:p>
-          <a:p>
-            <a:pPr lvl="1"/>
-            <a:r>
-              <a:rPr lang="fr-FR" dirty="0" err="1"/>
-              <a:t>result</a:t>
-            </a:r>
-            <a:r>
-              <a:rPr lang="fr-FR" dirty="0"/>
-              <a:t> = </a:t>
-            </a:r>
-            <a:r>
-              <a:rPr lang="fr-FR" dirty="0" err="1"/>
-              <a:t>model.predict</a:t>
-            </a:r>
-            <a:r>
-              <a:rPr lang="fr-FR" dirty="0"/>
-              <a:t>(data, </a:t>
-            </a:r>
-            <a:r>
-              <a:rPr lang="fr-FR" dirty="0" err="1"/>
-              <a:t>batch_size</a:t>
-            </a:r>
-            <a:r>
-              <a:rPr lang="fr-FR" dirty="0"/>
-              <a:t>=32)</a:t>
-            </a:r>
-          </a:p>
-          <a:p>
-            <a:r>
-              <a:rPr lang="fr-FR" dirty="0"/>
-              <a:t>Calcul la prédiction pour data</a:t>
-            </a:r>
-          </a:p>
-          <a:p>
-            <a:pPr lvl="1"/>
-            <a:r>
-              <a:rPr lang="fr-FR" dirty="0" err="1"/>
-              <a:t>Batch_size</a:t>
-            </a:r>
-            <a:r>
-              <a:rPr lang="fr-FR" dirty="0"/>
-              <a:t> définit le nombre de données analysées dans le même cycle GPU</a:t>
-            </a:r>
-          </a:p>
-        </p:txBody>
-      </p:sp>
-      <p:pic>
-        <p:nvPicPr>
-          <p:cNvPr id="4" name="Image 3"/>
-          <p:cNvPicPr>
-            <a:picLocks noChangeAspect="1"/>
-          </p:cNvPicPr>
-          <p:nvPr/>
-        </p:nvPicPr>
-        <p:blipFill>
-          <a:blip r:embed="rId2"/>
-          <a:stretch>
-            <a:fillRect/>
-          </a:stretch>
-        </p:blipFill>
-        <p:spPr>
-          <a:xfrm>
-            <a:off x="1187624" y="3933056"/>
-            <a:ext cx="6252599" cy="1800200"/>
-          </a:xfrm>
-          <a:prstGeom prst="rect">
-            <a:avLst/>
-          </a:prstGeom>
-        </p:spPr>
-      </p:pic>
-    </p:spTree>
-    <p:extLst>
-      <p:ext uri="{BB962C8B-B14F-4D97-AF65-F5344CB8AC3E}">
-        <p14:creationId xmlns:p14="http://schemas.microsoft.com/office/powerpoint/2010/main" val="666403504"/>
-      </p:ext>
-    </p:extLst>
-  </p:cSld>
-  <p:clrMapOvr>
-    <a:masterClrMapping/>
-  </p:clrMapOvr>
-</p:sld>
-</file>
-
-<file path=ppt/slides/slide21.xml><?xml version="1.0" encoding="utf-8"?>
-<p:sld xmlns:a="http://schemas.openxmlformats.org/drawingml/2006/main" xmlns:r="http://schemas.openxmlformats.org/officeDocument/2006/relationships" xmlns:p="http://schemas.openxmlformats.org/presentationml/2006/main">
-  <p:cSld>
-    <p:spTree>
-      <p:nvGrpSpPr>
-        <p:cNvPr id="1" name=""/>
-        <p:cNvGrpSpPr/>
-        <p:nvPr/>
-      </p:nvGrpSpPr>
-      <p:grpSpPr>
-        <a:xfrm>
-          <a:off x="0" y="0"/>
-          <a:ext cx="0" cy="0"/>
-          <a:chOff x="0" y="0"/>
-          <a:chExt cx="0" cy="0"/>
-        </a:xfrm>
-      </p:grpSpPr>
-      <p:sp>
-        <p:nvSpPr>
-          <p:cNvPr id="2" name="Titre 1"/>
-          <p:cNvSpPr>
-            <a:spLocks noGrp="1"/>
-          </p:cNvSpPr>
-          <p:nvPr>
-            <p:ph type="title"/>
-          </p:nvPr>
-        </p:nvSpPr>
-        <p:spPr/>
-        <p:txBody>
-          <a:bodyPr/>
-          <a:lstStyle/>
-          <a:p>
-            <a:r>
-              <a:rPr lang="fr-FR" dirty="0" err="1"/>
               <a:t>Echantillonage</a:t>
             </a:r>
             <a:endParaRPr lang="fr-FR" dirty="0"/>
@@ -5842,7 +5662,7 @@
 </p:sld>
 </file>
 
-<file path=ppt/slides/slide22.xml><?xml version="1.0" encoding="utf-8"?>
+<file path=ppt/slides/slide21.xml><?xml version="1.0" encoding="utf-8"?>
 <p:sld xmlns:a="http://schemas.openxmlformats.org/drawingml/2006/main" xmlns:r="http://schemas.openxmlformats.org/officeDocument/2006/relationships" xmlns:p="http://schemas.openxmlformats.org/presentationml/2006/main">
   <p:cSld>
     <p:spTree>
@@ -5987,6 +5807,107 @@
 </p:sld>
 </file>
 
+<file path=ppt/slides/slide22.xml><?xml version="1.0" encoding="utf-8"?>
+<p:sld xmlns:a="http://schemas.openxmlformats.org/drawingml/2006/main" xmlns:r="http://schemas.openxmlformats.org/officeDocument/2006/relationships" xmlns:p="http://schemas.openxmlformats.org/presentationml/2006/main">
+  <p:cSld>
+    <p:spTree>
+      <p:nvGrpSpPr>
+        <p:cNvPr id="1" name=""/>
+        <p:cNvGrpSpPr/>
+        <p:nvPr/>
+      </p:nvGrpSpPr>
+      <p:grpSpPr>
+        <a:xfrm>
+          <a:off x="0" y="0"/>
+          <a:ext cx="0" cy="0"/>
+          <a:chOff x="0" y="0"/>
+          <a:chExt cx="0" cy="0"/>
+        </a:xfrm>
+      </p:grpSpPr>
+      <p:sp>
+        <p:nvSpPr>
+          <p:cNvPr id="2" name="Titre 1"/>
+          <p:cNvSpPr>
+            <a:spLocks noGrp="1"/>
+          </p:cNvSpPr>
+          <p:nvPr>
+            <p:ph type="title"/>
+          </p:nvPr>
+        </p:nvSpPr>
+        <p:spPr/>
+        <p:txBody>
+          <a:bodyPr/>
+          <a:lstStyle/>
+          <a:p>
+            <a:r>
+              <a:rPr lang="fr-FR" dirty="0"/>
+              <a:t>Randomisation</a:t>
+            </a:r>
+          </a:p>
+        </p:txBody>
+      </p:sp>
+      <p:sp>
+        <p:nvSpPr>
+          <p:cNvPr id="3" name="Espace réservé du contenu 2"/>
+          <p:cNvSpPr>
+            <a:spLocks noGrp="1"/>
+          </p:cNvSpPr>
+          <p:nvPr>
+            <p:ph idx="1"/>
+          </p:nvPr>
+        </p:nvSpPr>
+        <p:spPr/>
+        <p:txBody>
+          <a:bodyPr/>
+          <a:lstStyle/>
+          <a:p>
+            <a:r>
+              <a:rPr lang="fr-FR" dirty="0"/>
+              <a:t>Il s’avère que si on entraîne le modèle avec des données, il va naturellement être plus performant sur ces données-là</a:t>
+            </a:r>
+          </a:p>
+          <a:p>
+            <a:r>
+              <a:rPr lang="fr-FR" dirty="0"/>
+              <a:t>Ce qui nous intéresse c’est de mesurer sa performance sur des données qu’il n’a jamais vues puisque c’est ce qui va se passer en pratique</a:t>
+            </a:r>
+          </a:p>
+          <a:p>
+            <a:r>
+              <a:rPr lang="fr-FR" dirty="0"/>
+              <a:t>Cette performance est appelée la </a:t>
+            </a:r>
+            <a:r>
+              <a:rPr lang="fr-FR" b="1" dirty="0"/>
+              <a:t>généralisation</a:t>
+            </a:r>
+            <a:r>
+              <a:rPr lang="fr-FR" dirty="0"/>
+              <a:t> du modèle</a:t>
+            </a:r>
+          </a:p>
+          <a:p>
+            <a:pPr lvl="1"/>
+            <a:r>
+              <a:rPr lang="fr-FR" dirty="0"/>
+              <a:t>Sa capacité à effectuer des prédictions de qualité sur des situations jamais rencontrées.</a:t>
+            </a:r>
+          </a:p>
+        </p:txBody>
+      </p:sp>
+    </p:spTree>
+    <p:extLst>
+      <p:ext uri="{BB962C8B-B14F-4D97-AF65-F5344CB8AC3E}">
+        <p14:creationId xmlns:p14="http://schemas.microsoft.com/office/powerpoint/2010/main" val="1185723982"/>
+      </p:ext>
+    </p:extLst>
+  </p:cSld>
+  <p:clrMapOvr>
+    <a:masterClrMapping/>
+  </p:clrMapOvr>
+</p:sld>
+</file>
+
 <file path=ppt/slides/slide23.xml><?xml version="1.0" encoding="utf-8"?>
 <p:sld xmlns:a="http://schemas.openxmlformats.org/drawingml/2006/main" xmlns:r="http://schemas.openxmlformats.org/officeDocument/2006/relationships" xmlns:p="http://schemas.openxmlformats.org/presentationml/2006/main">
   <p:cSld>
@@ -6043,34 +5964,65 @@
           <a:p>
             <a:r>
               <a:rPr lang="fr-FR" dirty="0"/>
-              <a:t>Il s’avère que si on entraîne le modèle avec des données, il va naturellement être plus performant sur ces données-là</a:t>
-            </a:r>
-          </a:p>
-          <a:p>
-            <a:r>
-              <a:rPr lang="fr-FR" dirty="0"/>
-              <a:t>Ce qui nous intéresse c’est de mesurer sa performance sur des données qu’il n’a jamais vues puisque c’est ce qui va se passer en pratique</a:t>
-            </a:r>
-          </a:p>
-          <a:p>
-            <a:r>
-              <a:rPr lang="fr-FR" dirty="0"/>
-              <a:t>Cette performance est appelée la </a:t>
-            </a:r>
-            <a:r>
-              <a:rPr lang="fr-FR" b="1" dirty="0"/>
-              <a:t>généralisation</a:t>
-            </a:r>
-            <a:r>
-              <a:rPr lang="fr-FR" dirty="0"/>
-              <a:t> du modèle</a:t>
-            </a:r>
-          </a:p>
-          <a:p>
-            <a:pPr lvl="1"/>
-            <a:r>
-              <a:rPr lang="fr-FR" dirty="0"/>
-              <a:t>Sa capacité à effectuer des prédictions de qualité sur des situations jamais rencontrées.</a:t>
+              <a:t>Il faut utiliser le bon échantillon</a:t>
+            </a:r>
+          </a:p>
+          <a:p>
+            <a:pPr lvl="1"/>
+            <a:r>
+              <a:rPr lang="fr-FR" dirty="0"/>
+              <a:t>Bien répartis</a:t>
+            </a:r>
+          </a:p>
+          <a:p>
+            <a:pPr lvl="1"/>
+            <a:r>
+              <a:rPr lang="fr-FR" dirty="0"/>
+              <a:t>Ne pas introduire de biais</a:t>
+            </a:r>
+          </a:p>
+          <a:p>
+            <a:pPr lvl="1"/>
+            <a:r>
+              <a:rPr lang="fr-FR" dirty="0"/>
+              <a:t>Par exemple à Paris les loyers sont plus chères qu’ailleurs</a:t>
+            </a:r>
+          </a:p>
+          <a:p>
+            <a:r>
+              <a:rPr lang="fr-FR" dirty="0"/>
+              <a:t>Il faut ensuite découper l’échantillon avec le</a:t>
+            </a:r>
+          </a:p>
+          <a:p>
+            <a:pPr lvl="1"/>
+            <a:r>
+              <a:rPr lang="fr-FR" dirty="0"/>
+              <a:t>Training Set</a:t>
+            </a:r>
+          </a:p>
+          <a:p>
+            <a:pPr lvl="1"/>
+            <a:r>
+              <a:rPr lang="fr-FR" dirty="0" err="1"/>
+              <a:t>Testing</a:t>
+            </a:r>
+            <a:r>
+              <a:rPr lang="fr-FR" dirty="0"/>
+              <a:t> Set</a:t>
+            </a:r>
+          </a:p>
+          <a:p>
+            <a:r>
+              <a:rPr lang="fr-FR" dirty="0"/>
+              <a:t>L’un sert à l’apprentissage, l’autre au test</a:t>
+            </a:r>
+          </a:p>
+          <a:p>
+            <a:pPr lvl="1"/>
+            <a:r>
+              <a:rPr lang="fr-FR" dirty="0"/>
+              <a:t>Souvent 80/20</a:t>
             </a:r>
           </a:p>
         </p:txBody>
@@ -6078,7 +6030,7 @@
     </p:spTree>
     <p:extLst>
       <p:ext uri="{BB962C8B-B14F-4D97-AF65-F5344CB8AC3E}">
-        <p14:creationId xmlns:p14="http://schemas.microsoft.com/office/powerpoint/2010/main" val="1185723982"/>
+        <p14:creationId xmlns:p14="http://schemas.microsoft.com/office/powerpoint/2010/main" val="1449798764"/>
       </p:ext>
     </p:extLst>
   </p:cSld>
@@ -6122,7 +6074,7 @@
           <a:p>
             <a:r>
               <a:rPr lang="fr-FR" dirty="0"/>
-              <a:t>Randomisation</a:t>
+              <a:t>Vocabulaire</a:t>
             </a:r>
           </a:p>
         </p:txBody>
@@ -6143,66 +6095,88 @@
           <a:lstStyle/>
           <a:p>
             <a:r>
-              <a:rPr lang="fr-FR" dirty="0"/>
-              <a:t>Il faut utiliser le bon échantillon</a:t>
-            </a:r>
-          </a:p>
-          <a:p>
-            <a:pPr lvl="1"/>
-            <a:r>
-              <a:rPr lang="fr-FR" dirty="0"/>
-              <a:t>Bien répartis</a:t>
-            </a:r>
-          </a:p>
-          <a:p>
-            <a:pPr lvl="1"/>
-            <a:r>
-              <a:rPr lang="fr-FR" dirty="0"/>
-              <a:t>Ne pas introduire de biais</a:t>
-            </a:r>
-          </a:p>
-          <a:p>
-            <a:pPr lvl="1"/>
-            <a:r>
-              <a:rPr lang="fr-FR" dirty="0"/>
-              <a:t>Par exemple à Paris les loyers sont plus chères qu’ailleurs</a:t>
-            </a:r>
-          </a:p>
-          <a:p>
-            <a:r>
-              <a:rPr lang="fr-FR" dirty="0"/>
-              <a:t>Il faut ensuite découper l’échantillon avec le</a:t>
-            </a:r>
-          </a:p>
-          <a:p>
-            <a:pPr lvl="1"/>
-            <a:r>
-              <a:rPr lang="fr-FR" dirty="0"/>
-              <a:t>Training Set</a:t>
-            </a:r>
-          </a:p>
-          <a:p>
-            <a:pPr lvl="1"/>
-            <a:r>
-              <a:rPr lang="fr-FR" dirty="0" err="1"/>
-              <a:t>Testing</a:t>
-            </a:r>
-            <a:r>
-              <a:rPr lang="fr-FR" dirty="0"/>
-              <a:t> Set</a:t>
-            </a:r>
-          </a:p>
-          <a:p>
-            <a:r>
-              <a:rPr lang="fr-FR" dirty="0"/>
-              <a:t>L’un sert à l’apprentissage, l’autre au test</a:t>
-            </a:r>
-          </a:p>
-          <a:p>
-            <a:pPr lvl="1"/>
-            <a:r>
-              <a:rPr lang="fr-FR" dirty="0"/>
-              <a:t>Souvent 80/20</a:t>
+              <a:rPr lang="fr-FR" sz="2400" dirty="0" err="1"/>
+              <a:t>TensorFlow</a:t>
+            </a:r>
+            <a:r>
+              <a:rPr lang="fr-FR" sz="2400" dirty="0"/>
+              <a:t> et </a:t>
+            </a:r>
+            <a:r>
+              <a:rPr lang="fr-FR" sz="2400" dirty="0" err="1"/>
+              <a:t>SKLearn</a:t>
+            </a:r>
+            <a:r>
+              <a:rPr lang="fr-FR" sz="2400" dirty="0"/>
+              <a:t> n’utilisent pas le même vocabulaire</a:t>
+            </a:r>
+          </a:p>
+          <a:p>
+            <a:r>
+              <a:rPr lang="fr-FR" sz="2400" dirty="0" err="1"/>
+              <a:t>TrainingSet</a:t>
+            </a:r>
+            <a:endParaRPr lang="fr-FR" sz="2400" dirty="0"/>
+          </a:p>
+          <a:p>
+            <a:pPr lvl="1"/>
+            <a:r>
+              <a:rPr lang="fr-FR" sz="2000" dirty="0"/>
+              <a:t>Jeux d’entrainement</a:t>
+            </a:r>
+          </a:p>
+          <a:p>
+            <a:pPr lvl="1"/>
+            <a:r>
+              <a:rPr lang="fr-FR" sz="2000" dirty="0"/>
+              <a:t>Calcul du </a:t>
+            </a:r>
+            <a:r>
+              <a:rPr lang="fr-FR" sz="2000" dirty="0" err="1"/>
+              <a:t>Loss</a:t>
+            </a:r>
+            <a:endParaRPr lang="fr-FR" sz="2000" dirty="0"/>
+          </a:p>
+          <a:p>
+            <a:r>
+              <a:rPr lang="fr-FR" sz="2400" dirty="0" err="1"/>
+              <a:t>ValidationSet</a:t>
+            </a:r>
+            <a:endParaRPr lang="fr-FR" sz="2400" dirty="0"/>
+          </a:p>
+          <a:p>
+            <a:pPr lvl="1"/>
+            <a:r>
+              <a:rPr lang="fr-FR" sz="2000" dirty="0"/>
+              <a:t>Jeux pour mesurer la qualité du modèle</a:t>
+            </a:r>
+          </a:p>
+          <a:p>
+            <a:pPr lvl="1"/>
+            <a:r>
+              <a:rPr lang="fr-FR" sz="2000" dirty="0"/>
+              <a:t>Ne doit jamais être vu du modèle</a:t>
+            </a:r>
+          </a:p>
+          <a:p>
+            <a:r>
+              <a:rPr lang="fr-FR" sz="2400" dirty="0" err="1"/>
+              <a:t>TestSet</a:t>
+            </a:r>
+            <a:endParaRPr lang="fr-FR" sz="2400" dirty="0"/>
+          </a:p>
+          <a:p>
+            <a:pPr lvl="1"/>
+            <a:r>
+              <a:rPr lang="fr-FR" sz="2000" dirty="0"/>
+              <a:t>Recette final</a:t>
+            </a:r>
+          </a:p>
+          <a:p>
+            <a:pPr lvl="1"/>
+            <a:r>
+              <a:rPr lang="fr-FR" sz="2000" dirty="0"/>
+              <a:t>Ne doit jamais être vu des développeurs</a:t>
             </a:r>
           </a:p>
         </p:txBody>
@@ -6210,7 +6184,7 @@
     </p:spTree>
     <p:extLst>
       <p:ext uri="{BB962C8B-B14F-4D97-AF65-F5344CB8AC3E}">
-        <p14:creationId xmlns:p14="http://schemas.microsoft.com/office/powerpoint/2010/main" val="1449798764"/>
+        <p14:creationId xmlns:p14="http://schemas.microsoft.com/office/powerpoint/2010/main" val="1521370590"/>
       </p:ext>
     </p:extLst>
   </p:cSld>
@@ -6254,8 +6228,13 @@
           <a:p>
             <a:r>
               <a:rPr lang="fr-FR" dirty="0"/>
-              <a:t>Vocabulaire</a:t>
-            </a:r>
+              <a:t>Méthode </a:t>
+            </a:r>
+            <a:r>
+              <a:rPr lang="fr-FR" dirty="0" err="1"/>
+              <a:t>SKLearn</a:t>
+            </a:r>
+            <a:endParaRPr lang="fr-FR" dirty="0"/>
           </a:p>
         </p:txBody>
       </p:sp>
@@ -6275,96 +6254,129 @@
           <a:lstStyle/>
           <a:p>
             <a:r>
-              <a:rPr lang="fr-FR" sz="2400" dirty="0" err="1"/>
-              <a:t>TensorFlow</a:t>
-            </a:r>
-            <a:r>
-              <a:rPr lang="fr-FR" sz="2400" dirty="0"/>
-              <a:t> et </a:t>
-            </a:r>
-            <a:r>
-              <a:rPr lang="fr-FR" sz="2400" dirty="0" err="1"/>
+              <a:rPr lang="fr-FR" dirty="0"/>
+              <a:t>Model </a:t>
+            </a:r>
+            <a:r>
+              <a:rPr lang="fr-FR" dirty="0" err="1"/>
+              <a:t>Selection</a:t>
+            </a:r>
+            <a:r>
+              <a:rPr lang="fr-FR" dirty="0"/>
+              <a:t> est un module de sélection de modèle</a:t>
+            </a:r>
+          </a:p>
+          <a:p>
+            <a:r>
+              <a:rPr lang="fr-FR" dirty="0" err="1"/>
+              <a:t>Train_test_split</a:t>
+            </a:r>
+            <a:r>
+              <a:rPr lang="fr-FR" dirty="0"/>
+              <a:t> permet de découper le </a:t>
+            </a:r>
+            <a:r>
+              <a:rPr lang="fr-FR" dirty="0" err="1"/>
+              <a:t>dataset</a:t>
+            </a:r>
+            <a:endParaRPr lang="fr-FR" dirty="0"/>
+          </a:p>
+          <a:p>
+            <a:pPr lvl="1"/>
+            <a:r>
+              <a:rPr lang="fr-FR" dirty="0"/>
+              <a:t>import </a:t>
+            </a:r>
+            <a:r>
+              <a:rPr lang="fr-FR" dirty="0" err="1"/>
+              <a:t>sklearn.model_selection</a:t>
+            </a:r>
+            <a:r>
+              <a:rPr lang="fr-FR" dirty="0"/>
+              <a:t> as ms</a:t>
+            </a:r>
+          </a:p>
+          <a:p>
+            <a:pPr lvl="1"/>
+            <a:r>
+              <a:rPr lang="fr-FR" dirty="0" err="1"/>
+              <a:t>xtrain</a:t>
+            </a:r>
+            <a:r>
+              <a:rPr lang="fr-FR" dirty="0"/>
+              <a:t>, </a:t>
+            </a:r>
+            <a:r>
+              <a:rPr lang="fr-FR" dirty="0" err="1"/>
+              <a:t>xtest</a:t>
+            </a:r>
+            <a:r>
+              <a:rPr lang="fr-FR" dirty="0"/>
+              <a:t>, </a:t>
+            </a:r>
+            <a:r>
+              <a:rPr lang="fr-FR" dirty="0" err="1"/>
+              <a:t>ytrain</a:t>
+            </a:r>
+            <a:r>
+              <a:rPr lang="fr-FR" dirty="0"/>
+              <a:t>, </a:t>
+            </a:r>
+            <a:r>
+              <a:rPr lang="fr-FR" dirty="0" err="1"/>
+              <a:t>ytest</a:t>
+            </a:r>
+            <a:r>
+              <a:rPr lang="fr-FR" dirty="0"/>
+              <a:t> = </a:t>
+            </a:r>
+            <a:r>
+              <a:rPr lang="fr-FR" dirty="0" err="1"/>
+              <a:t>ms.train_test_split</a:t>
+            </a:r>
+            <a:r>
+              <a:rPr lang="fr-FR" dirty="0"/>
+              <a:t>(X, y, </a:t>
+            </a:r>
+            <a:r>
+              <a:rPr lang="fr-FR" dirty="0" err="1"/>
+              <a:t>train_size</a:t>
+            </a:r>
+            <a:r>
+              <a:rPr lang="fr-FR" dirty="0"/>
+              <a:t>=0.8, </a:t>
+            </a:r>
+            <a:r>
+              <a:rPr lang="fr-FR" dirty="0" err="1"/>
+              <a:t>test_size</a:t>
+            </a:r>
+            <a:r>
+              <a:rPr lang="fr-FR" dirty="0"/>
+              <a:t>=0.2)</a:t>
+            </a:r>
+          </a:p>
+          <a:p>
+            <a:r>
+              <a:rPr lang="fr-FR" dirty="0" err="1"/>
               <a:t>SKLearn</a:t>
             </a:r>
             <a:r>
-              <a:rPr lang="fr-FR" sz="2400" dirty="0"/>
-              <a:t> n’utilisent pas le même vocabulaire</a:t>
-            </a:r>
-          </a:p>
-          <a:p>
-            <a:r>
-              <a:rPr lang="fr-FR" sz="2400" dirty="0" err="1"/>
-              <a:t>TrainingSet</a:t>
-            </a:r>
-            <a:endParaRPr lang="fr-FR" sz="2400" dirty="0"/>
-          </a:p>
-          <a:p>
-            <a:pPr lvl="1"/>
-            <a:r>
-              <a:rPr lang="fr-FR" sz="2000" dirty="0"/>
-              <a:t>Jeux d’entrainement</a:t>
-            </a:r>
-          </a:p>
-          <a:p>
-            <a:pPr lvl="1"/>
-            <a:r>
-              <a:rPr lang="fr-FR" sz="2000" dirty="0"/>
-              <a:t>Calcul du </a:t>
-            </a:r>
-            <a:r>
-              <a:rPr lang="fr-FR" sz="2000" dirty="0" err="1"/>
-              <a:t>Loss</a:t>
-            </a:r>
-            <a:endParaRPr lang="fr-FR" sz="2000" dirty="0"/>
-          </a:p>
-          <a:p>
-            <a:r>
-              <a:rPr lang="fr-FR" sz="2400" dirty="0" err="1"/>
-              <a:t>ValidationSet</a:t>
-            </a:r>
-            <a:endParaRPr lang="fr-FR" sz="2400" dirty="0"/>
-          </a:p>
-          <a:p>
-            <a:pPr lvl="1"/>
-            <a:r>
-              <a:rPr lang="fr-FR" sz="2000" dirty="0"/>
-              <a:t>Jeux pour mesurer la qualité du modèle</a:t>
-            </a:r>
-          </a:p>
-          <a:p>
-            <a:pPr lvl="1"/>
-            <a:r>
-              <a:rPr lang="fr-FR" sz="2000" dirty="0"/>
-              <a:t>Ne doit jamais être vu du modèle</a:t>
-            </a:r>
-          </a:p>
-          <a:p>
-            <a:r>
-              <a:rPr lang="fr-FR" sz="2400" dirty="0" err="1"/>
-              <a:t>TestSet</a:t>
-            </a:r>
-            <a:endParaRPr lang="fr-FR" sz="2400" dirty="0"/>
-          </a:p>
-          <a:p>
-            <a:pPr lvl="1"/>
-            <a:r>
-              <a:rPr lang="fr-FR" sz="2000" dirty="0"/>
-              <a:t>Recette final</a:t>
-            </a:r>
-          </a:p>
-          <a:p>
-            <a:pPr lvl="1"/>
-            <a:r>
-              <a:rPr lang="fr-FR" sz="2000" dirty="0"/>
-              <a:t>Ne doit jamais être vu des développeurs</a:t>
-            </a:r>
+              <a:rPr lang="fr-FR" dirty="0"/>
+              <a:t> appel test la validation</a:t>
+            </a:r>
+          </a:p>
+          <a:p>
+            <a:pPr marL="0" indent="0">
+              <a:buNone/>
+            </a:pPr>
+            <a:endParaRPr lang="fr-FR" dirty="0"/>
           </a:p>
         </p:txBody>
       </p:sp>
     </p:spTree>
     <p:extLst>
       <p:ext uri="{BB962C8B-B14F-4D97-AF65-F5344CB8AC3E}">
-        <p14:creationId xmlns:p14="http://schemas.microsoft.com/office/powerpoint/2010/main" val="1521370590"/>
+        <p14:creationId xmlns:p14="http://schemas.microsoft.com/office/powerpoint/2010/main" val="302231346"/>
       </p:ext>
     </p:extLst>
   </p:cSld>
@@ -6412,7 +6424,7 @@
             </a:r>
             <a:r>
               <a:rPr lang="fr-FR" dirty="0" err="1"/>
-              <a:t>SKLearn</a:t>
+              <a:t>Keras</a:t>
             </a:r>
             <a:endParaRPr lang="fr-FR" dirty="0"/>
           </a:p>
@@ -6434,121 +6446,71 @@
           <a:lstStyle/>
           <a:p>
             <a:r>
-              <a:rPr lang="fr-FR" dirty="0"/>
-              <a:t>Model </a:t>
-            </a:r>
-            <a:r>
-              <a:rPr lang="fr-FR" dirty="0" err="1"/>
-              <a:t>Selection</a:t>
-            </a:r>
-            <a:r>
-              <a:rPr lang="fr-FR" dirty="0"/>
-              <a:t> est un module de sélection de modèle</a:t>
-            </a:r>
-          </a:p>
-          <a:p>
-            <a:r>
-              <a:rPr lang="fr-FR" dirty="0" err="1"/>
-              <a:t>Train_test_split</a:t>
-            </a:r>
-            <a:r>
-              <a:rPr lang="fr-FR" dirty="0"/>
-              <a:t> permet de découper le </a:t>
-            </a:r>
-            <a:r>
-              <a:rPr lang="fr-FR" dirty="0" err="1"/>
-              <a:t>dataset</a:t>
+              <a:rPr lang="en-US" dirty="0"/>
+              <a:t>Simple</a:t>
+            </a:r>
+          </a:p>
+          <a:p>
+            <a:pPr lvl="1"/>
+            <a:r>
+              <a:rPr lang="en-US" dirty="0" err="1"/>
+              <a:t>model.fit</a:t>
+            </a:r>
+            <a:r>
+              <a:rPr lang="en-US" dirty="0"/>
+              <a:t>(</a:t>
+            </a:r>
+            <a:r>
+              <a:rPr lang="en-US" dirty="0" err="1"/>
+              <a:t>validation_split</a:t>
+            </a:r>
+            <a:r>
+              <a:rPr lang="en-US" dirty="0"/>
+              <a:t>=0.2)</a:t>
             </a:r>
             <a:endParaRPr lang="fr-FR" dirty="0"/>
           </a:p>
           <a:p>
-            <a:pPr lvl="1"/>
-            <a:r>
-              <a:rPr lang="fr-FR" dirty="0"/>
-              <a:t>import </a:t>
-            </a:r>
-            <a:r>
-              <a:rPr lang="fr-FR" dirty="0" err="1"/>
-              <a:t>sklearn.model_selection</a:t>
-            </a:r>
-            <a:r>
-              <a:rPr lang="fr-FR" dirty="0"/>
-              <a:t> as ms</a:t>
-            </a:r>
-          </a:p>
-          <a:p>
-            <a:pPr lvl="1"/>
-            <a:r>
-              <a:rPr lang="fr-FR" dirty="0" err="1"/>
-              <a:t>xtrain</a:t>
-            </a:r>
-            <a:r>
-              <a:rPr lang="fr-FR" dirty="0"/>
-              <a:t>, </a:t>
-            </a:r>
-            <a:r>
-              <a:rPr lang="fr-FR" dirty="0" err="1"/>
-              <a:t>xtest</a:t>
-            </a:r>
-            <a:r>
-              <a:rPr lang="fr-FR" dirty="0"/>
-              <a:t>, </a:t>
-            </a:r>
-            <a:r>
-              <a:rPr lang="fr-FR" dirty="0" err="1"/>
-              <a:t>ytrain</a:t>
-            </a:r>
-            <a:r>
-              <a:rPr lang="fr-FR" dirty="0"/>
-              <a:t>, </a:t>
-            </a:r>
-            <a:r>
-              <a:rPr lang="fr-FR" dirty="0" err="1"/>
-              <a:t>ytest</a:t>
-            </a:r>
-            <a:r>
-              <a:rPr lang="fr-FR" dirty="0"/>
-              <a:t> = </a:t>
-            </a:r>
-            <a:r>
-              <a:rPr lang="fr-FR" dirty="0" err="1"/>
-              <a:t>ms.train_test_split</a:t>
-            </a:r>
-            <a:r>
-              <a:rPr lang="fr-FR" dirty="0"/>
-              <a:t>(X, y, </a:t>
-            </a:r>
-            <a:r>
-              <a:rPr lang="fr-FR" dirty="0" err="1"/>
-              <a:t>train_size</a:t>
-            </a:r>
-            <a:r>
-              <a:rPr lang="fr-FR" dirty="0"/>
-              <a:t>=0.8, </a:t>
-            </a:r>
-            <a:r>
-              <a:rPr lang="fr-FR" dirty="0" err="1"/>
-              <a:t>test_size</a:t>
-            </a:r>
-            <a:r>
-              <a:rPr lang="fr-FR" dirty="0"/>
-              <a:t>=0.2)</a:t>
-            </a:r>
-          </a:p>
-          <a:p>
-            <a:r>
-              <a:rPr lang="fr-FR" dirty="0" err="1"/>
-              <a:t>SKLearn</a:t>
-            </a:r>
-            <a:r>
-              <a:rPr lang="fr-FR" dirty="0"/>
-              <a:t> appel test la validation</a:t>
-            </a:r>
-          </a:p>
-          <a:p>
-            <a:pPr marL="0" indent="0">
-              <a:buNone/>
-            </a:pPr>
+            <a:r>
+              <a:rPr lang="fr-FR" dirty="0"/>
+              <a:t>Pour s’assurer la reproductibilité de la randomisation</a:t>
+            </a:r>
+          </a:p>
+          <a:p>
+            <a:pPr lvl="1"/>
+            <a:r>
+              <a:rPr lang="fr-FR" dirty="0" err="1"/>
+              <a:t>tensorflow.random.set_seed</a:t>
+            </a:r>
+            <a:r>
+              <a:rPr lang="fr-FR" dirty="0"/>
+              <a:t>(1511)</a:t>
+            </a:r>
+          </a:p>
+          <a:p>
+            <a:r>
+              <a:rPr lang="fr-FR" dirty="0"/>
+              <a:t>En cas d’utilisation </a:t>
+            </a:r>
+            <a:r>
+              <a:rPr lang="fr-FR" dirty="0" err="1"/>
+              <a:t>numpy</a:t>
+            </a:r>
+            <a:endParaRPr lang="fr-FR" dirty="0"/>
+          </a:p>
+          <a:p>
+            <a:pPr lvl="1"/>
+            <a:r>
+              <a:rPr lang="fr-FR" dirty="0" err="1"/>
+              <a:t>np.random.seed</a:t>
+            </a:r>
+            <a:r>
+              <a:rPr lang="fr-FR" dirty="0"/>
+              <a:t>(1511)</a:t>
+            </a:r>
+          </a:p>
+          <a:p>
+            <a:pPr lvl="1"/>
             <a:endParaRPr lang="fr-FR" dirty="0"/>
           </a:p>
         </p:txBody>
@@ -6556,7 +6518,7 @@
     </p:spTree>
     <p:extLst>
       <p:ext uri="{BB962C8B-B14F-4D97-AF65-F5344CB8AC3E}">
-        <p14:creationId xmlns:p14="http://schemas.microsoft.com/office/powerpoint/2010/main" val="302231346"/>
+        <p14:creationId xmlns:p14="http://schemas.microsoft.com/office/powerpoint/2010/main" val="3354143676"/>
       </p:ext>
     </p:extLst>
   </p:cSld>
@@ -6600,13 +6562,8 @@
           <a:p>
             <a:r>
               <a:rPr lang="fr-FR" dirty="0"/>
-              <a:t>Méthode </a:t>
-            </a:r>
-            <a:r>
-              <a:rPr lang="fr-FR" dirty="0" err="1"/>
-              <a:t>Keras</a:t>
-            </a:r>
-            <a:endParaRPr lang="fr-FR" dirty="0"/>
+              <a:t>Compréhension des résultats</a:t>
+            </a:r>
           </a:p>
         </p:txBody>
       </p:sp>
@@ -6626,79 +6583,201 @@
           <a:lstStyle/>
           <a:p>
             <a:r>
-              <a:rPr lang="en-US" dirty="0"/>
-              <a:t>Simple</a:t>
-            </a:r>
-          </a:p>
-          <a:p>
-            <a:pPr lvl="1"/>
-            <a:r>
-              <a:rPr lang="en-US" dirty="0" err="1"/>
-              <a:t>model.fit</a:t>
-            </a:r>
-            <a:r>
-              <a:rPr lang="en-US" dirty="0"/>
-              <a:t>(</a:t>
-            </a:r>
-            <a:r>
-              <a:rPr lang="en-US" dirty="0" err="1"/>
-              <a:t>validation_split</a:t>
-            </a:r>
-            <a:r>
-              <a:rPr lang="en-US" dirty="0"/>
-              <a:t>=0.2)</a:t>
-            </a:r>
-            <a:endParaRPr lang="fr-FR" dirty="0"/>
-          </a:p>
-          <a:p>
-            <a:r>
-              <a:rPr lang="fr-FR" dirty="0"/>
-              <a:t>Pour s’assurer la reproductibilité de la randomisation</a:t>
-            </a:r>
-          </a:p>
-          <a:p>
-            <a:pPr lvl="1"/>
-            <a:r>
-              <a:rPr lang="fr-FR" dirty="0" err="1"/>
-              <a:t>tensorflow.random.set_seed</a:t>
-            </a:r>
-            <a:r>
-              <a:rPr lang="fr-FR" dirty="0"/>
-              <a:t>(1511)</a:t>
-            </a:r>
-          </a:p>
-          <a:p>
-            <a:r>
-              <a:rPr lang="fr-FR" dirty="0"/>
-              <a:t>En cas d’utilisation </a:t>
-            </a:r>
-            <a:r>
-              <a:rPr lang="fr-FR" dirty="0" err="1"/>
-              <a:t>numpy</a:t>
-            </a:r>
-            <a:endParaRPr lang="fr-FR" dirty="0"/>
-          </a:p>
-          <a:p>
-            <a:pPr lvl="1"/>
-            <a:r>
-              <a:rPr lang="fr-FR" dirty="0" err="1"/>
-              <a:t>np.random.seed</a:t>
-            </a:r>
-            <a:r>
-              <a:rPr lang="fr-FR" dirty="0"/>
-              <a:t>(1511)</a:t>
-            </a:r>
-          </a:p>
-          <a:p>
-            <a:pPr lvl="1"/>
-            <a:endParaRPr lang="fr-FR" dirty="0"/>
+              <a:rPr lang="fr-FR" sz="2400" dirty="0" err="1"/>
+              <a:t>Loss</a:t>
+            </a:r>
+            <a:r>
+              <a:rPr lang="fr-FR" sz="2400" dirty="0"/>
+              <a:t> détermine le </a:t>
+            </a:r>
+            <a:r>
+              <a:rPr lang="fr-FR" sz="2400" dirty="0" err="1"/>
+              <a:t>loss</a:t>
+            </a:r>
+            <a:r>
+              <a:rPr lang="fr-FR" sz="2400" dirty="0"/>
+              <a:t> de l’inférence avec les training set</a:t>
+            </a:r>
+          </a:p>
+          <a:p>
+            <a:r>
+              <a:rPr lang="fr-FR" sz="2400" dirty="0" err="1"/>
+              <a:t>Val_loss</a:t>
+            </a:r>
+            <a:r>
+              <a:rPr lang="fr-FR" sz="2400" dirty="0"/>
+              <a:t> détermine le </a:t>
+            </a:r>
+            <a:r>
+              <a:rPr lang="fr-FR" sz="2400" dirty="0" err="1"/>
+              <a:t>loss</a:t>
+            </a:r>
+            <a:r>
+              <a:rPr lang="fr-FR" sz="2400" dirty="0"/>
+              <a:t> de l’</a:t>
+            </a:r>
+            <a:r>
+              <a:rPr lang="fr-FR" sz="2400" dirty="0" err="1"/>
+              <a:t>epoch</a:t>
+            </a:r>
+            <a:r>
+              <a:rPr lang="fr-FR" sz="2400" dirty="0"/>
+              <a:t> avec le jeux de validation</a:t>
+            </a:r>
+          </a:p>
+          <a:p>
+            <a:r>
+              <a:rPr lang="fr-FR" sz="2400" dirty="0" err="1"/>
+              <a:t>Accuracy</a:t>
+            </a:r>
+            <a:r>
+              <a:rPr lang="fr-FR" sz="2400" dirty="0"/>
+              <a:t> détermine la précision de l’inférence avec les training set</a:t>
+            </a:r>
+          </a:p>
+          <a:p>
+            <a:r>
+              <a:rPr lang="fr-FR" sz="2400" dirty="0"/>
+              <a:t>Val_ </a:t>
+            </a:r>
+            <a:r>
+              <a:rPr lang="fr-FR" sz="2400" dirty="0" err="1"/>
+              <a:t>accuracy</a:t>
+            </a:r>
+            <a:r>
+              <a:rPr lang="fr-FR" sz="2400" dirty="0"/>
+              <a:t> détermine la précision de l’</a:t>
+            </a:r>
+            <a:r>
+              <a:rPr lang="fr-FR" sz="2400" dirty="0" err="1"/>
+              <a:t>epoch</a:t>
+            </a:r>
+            <a:r>
+              <a:rPr lang="fr-FR" sz="2400" dirty="0"/>
+              <a:t> avec le jeux de validation</a:t>
+            </a:r>
+          </a:p>
+          <a:p>
+            <a:r>
+              <a:rPr lang="fr-FR" sz="2400" dirty="0"/>
+              <a:t>Si </a:t>
+            </a:r>
+            <a:r>
+              <a:rPr lang="fr-FR" sz="2400" dirty="0" err="1"/>
+              <a:t>accuracy</a:t>
+            </a:r>
+            <a:r>
+              <a:rPr lang="fr-FR" sz="2400" dirty="0"/>
+              <a:t> est bas : le réseau ne fonctionne pas</a:t>
+            </a:r>
+          </a:p>
+          <a:p>
+            <a:r>
+              <a:rPr lang="fr-FR" sz="2400" dirty="0"/>
+              <a:t>Si </a:t>
+            </a:r>
+            <a:r>
+              <a:rPr lang="fr-FR" sz="2400" dirty="0" err="1"/>
+              <a:t>accuracy</a:t>
+            </a:r>
+            <a:r>
+              <a:rPr lang="fr-FR" sz="2400" dirty="0"/>
+              <a:t> &gt;&gt; </a:t>
+            </a:r>
+            <a:r>
+              <a:rPr lang="fr-FR" sz="2400" dirty="0" err="1"/>
+              <a:t>val_accuracy</a:t>
+            </a:r>
+            <a:r>
+              <a:rPr lang="fr-FR" sz="2400" dirty="0"/>
+              <a:t> : </a:t>
+            </a:r>
+            <a:r>
+              <a:rPr lang="fr-FR" sz="2400" dirty="0" err="1"/>
+              <a:t>overfitting</a:t>
+            </a:r>
+            <a:endParaRPr lang="fr-FR" sz="2400" dirty="0"/>
+          </a:p>
+          <a:p>
+            <a:r>
+              <a:rPr lang="fr-FR" sz="2400" dirty="0"/>
+              <a:t>Si </a:t>
+            </a:r>
+            <a:r>
+              <a:rPr lang="fr-FR" sz="2400" dirty="0" err="1"/>
+              <a:t>accuracy</a:t>
+            </a:r>
+            <a:r>
+              <a:rPr lang="fr-FR" sz="2400" dirty="0"/>
+              <a:t> &gt; </a:t>
+            </a:r>
+            <a:r>
+              <a:rPr lang="fr-FR" sz="2400" dirty="0" err="1"/>
+              <a:t>val_accuracy</a:t>
+            </a:r>
+            <a:r>
+              <a:rPr lang="fr-FR" sz="2400" dirty="0"/>
+              <a:t> : léger </a:t>
+            </a:r>
+            <a:r>
+              <a:rPr lang="fr-FR" sz="2400" dirty="0" err="1"/>
+              <a:t>overfitting</a:t>
+            </a:r>
+            <a:endParaRPr lang="fr-FR" sz="2400" dirty="0"/>
+          </a:p>
+          <a:p>
+            <a:r>
+              <a:rPr lang="fr-FR" sz="2400" dirty="0"/>
+              <a:t>Si </a:t>
+            </a:r>
+            <a:r>
+              <a:rPr lang="fr-FR" sz="2400" dirty="0" err="1"/>
+              <a:t>val_accuracy</a:t>
+            </a:r>
+            <a:r>
+              <a:rPr lang="fr-FR" sz="2400" dirty="0"/>
+              <a:t> &gt;= </a:t>
+            </a:r>
+            <a:r>
+              <a:rPr lang="fr-FR" sz="2400" dirty="0" err="1"/>
+              <a:t>accuracy</a:t>
+            </a:r>
+            <a:r>
+              <a:rPr lang="fr-FR" sz="2400" dirty="0"/>
+              <a:t> : parfait</a:t>
+            </a:r>
+          </a:p>
+          <a:p>
+            <a:r>
+              <a:rPr lang="fr-FR" sz="2400" dirty="0"/>
+              <a:t>Si </a:t>
+            </a:r>
+            <a:r>
+              <a:rPr lang="fr-FR" sz="2400" dirty="0" err="1"/>
+              <a:t>val_accuracy</a:t>
+            </a:r>
+            <a:r>
+              <a:rPr lang="fr-FR" sz="2400" dirty="0"/>
+              <a:t> &gt;&gt; </a:t>
+            </a:r>
+            <a:r>
+              <a:rPr lang="fr-FR" sz="2400" dirty="0" err="1"/>
+              <a:t>accuracy</a:t>
+            </a:r>
+            <a:r>
+              <a:rPr lang="fr-FR" sz="2400" dirty="0"/>
+              <a:t> : anormal</a:t>
+            </a:r>
+          </a:p>
+          <a:p>
+            <a:endParaRPr lang="fr-FR" sz="2400" dirty="0"/>
           </a:p>
         </p:txBody>
       </p:sp>
     </p:spTree>
     <p:extLst>
       <p:ext uri="{BB962C8B-B14F-4D97-AF65-F5344CB8AC3E}">
-        <p14:creationId xmlns:p14="http://schemas.microsoft.com/office/powerpoint/2010/main" val="3354143676"/>
+        <p14:creationId xmlns:p14="http://schemas.microsoft.com/office/powerpoint/2010/main" val="4009506265"/>
       </p:ext>
     </p:extLst>
   </p:cSld>
@@ -6741,9 +6820,10 @@
           <a:lstStyle/>
           <a:p>
             <a:r>
-              <a:rPr lang="fr-FR" dirty="0"/>
-              <a:t>Compréhension des résultats</a:t>
-            </a:r>
+              <a:rPr lang="fr-FR" dirty="0" err="1"/>
+              <a:t>Scaling</a:t>
+            </a:r>
+            <a:endParaRPr lang="fr-FR" dirty="0"/>
           </a:p>
         </p:txBody>
       </p:sp>
@@ -6763,201 +6843,70 @@
           <a:lstStyle/>
           <a:p>
             <a:r>
-              <a:rPr lang="fr-FR" sz="2400" dirty="0" err="1"/>
-              <a:t>Loss</a:t>
-            </a:r>
-            <a:r>
-              <a:rPr lang="fr-FR" sz="2400" dirty="0"/>
-              <a:t> détermine le </a:t>
-            </a:r>
-            <a:r>
-              <a:rPr lang="fr-FR" sz="2400" dirty="0" err="1"/>
-              <a:t>loss</a:t>
-            </a:r>
-            <a:r>
-              <a:rPr lang="fr-FR" sz="2400" dirty="0"/>
-              <a:t> de l’inférence avec les training set</a:t>
-            </a:r>
-          </a:p>
-          <a:p>
-            <a:r>
-              <a:rPr lang="fr-FR" sz="2400" dirty="0" err="1"/>
-              <a:t>Val_loss</a:t>
-            </a:r>
-            <a:r>
-              <a:rPr lang="fr-FR" sz="2400" dirty="0"/>
-              <a:t> détermine le </a:t>
-            </a:r>
-            <a:r>
-              <a:rPr lang="fr-FR" sz="2400" dirty="0" err="1"/>
-              <a:t>loss</a:t>
-            </a:r>
-            <a:r>
-              <a:rPr lang="fr-FR" sz="2400" dirty="0"/>
-              <a:t> de l’</a:t>
-            </a:r>
-            <a:r>
-              <a:rPr lang="fr-FR" sz="2400" dirty="0" err="1"/>
-              <a:t>epoch</a:t>
-            </a:r>
-            <a:r>
-              <a:rPr lang="fr-FR" sz="2400" dirty="0"/>
-              <a:t> avec le jeux de validation</a:t>
-            </a:r>
-          </a:p>
-          <a:p>
-            <a:r>
-              <a:rPr lang="fr-FR" sz="2400" dirty="0" err="1"/>
-              <a:t>Accuracy</a:t>
-            </a:r>
-            <a:r>
-              <a:rPr lang="fr-FR" sz="2400" dirty="0"/>
-              <a:t> détermine la précision de l’inférence avec les training set</a:t>
-            </a:r>
-          </a:p>
-          <a:p>
-            <a:r>
-              <a:rPr lang="fr-FR" sz="2400" dirty="0"/>
-              <a:t>Val_ </a:t>
-            </a:r>
-            <a:r>
-              <a:rPr lang="fr-FR" sz="2400" dirty="0" err="1"/>
-              <a:t>accuracy</a:t>
-            </a:r>
-            <a:r>
-              <a:rPr lang="fr-FR" sz="2400" dirty="0"/>
-              <a:t> détermine la précision de l’</a:t>
-            </a:r>
-            <a:r>
-              <a:rPr lang="fr-FR" sz="2400" dirty="0" err="1"/>
-              <a:t>epoch</a:t>
-            </a:r>
-            <a:r>
-              <a:rPr lang="fr-FR" sz="2400" dirty="0"/>
-              <a:t> avec le jeux de validation</a:t>
-            </a:r>
-          </a:p>
-          <a:p>
-            <a:r>
-              <a:rPr lang="fr-FR" sz="2400" dirty="0"/>
-              <a:t>Si </a:t>
-            </a:r>
-            <a:r>
-              <a:rPr lang="fr-FR" sz="2400" dirty="0" err="1"/>
-              <a:t>accuracy</a:t>
-            </a:r>
-            <a:r>
-              <a:rPr lang="fr-FR" sz="2400" dirty="0"/>
-              <a:t> est bas : le réseau ne fonctionne pas</a:t>
-            </a:r>
-          </a:p>
-          <a:p>
-            <a:r>
-              <a:rPr lang="fr-FR" sz="2400" dirty="0"/>
-              <a:t>Si </a:t>
-            </a:r>
-            <a:r>
-              <a:rPr lang="fr-FR" sz="2400" dirty="0" err="1"/>
-              <a:t>accuracy</a:t>
-            </a:r>
-            <a:r>
-              <a:rPr lang="fr-FR" sz="2400" dirty="0"/>
-              <a:t> &gt;&gt; </a:t>
-            </a:r>
-            <a:r>
-              <a:rPr lang="fr-FR" sz="2400" dirty="0" err="1"/>
-              <a:t>val_accuracy</a:t>
-            </a:r>
-            <a:r>
-              <a:rPr lang="fr-FR" sz="2400" dirty="0"/>
-              <a:t> : </a:t>
-            </a:r>
-            <a:r>
-              <a:rPr lang="fr-FR" sz="2400" dirty="0" err="1"/>
-              <a:t>overfitting</a:t>
-            </a:r>
-            <a:endParaRPr lang="fr-FR" sz="2400" dirty="0"/>
-          </a:p>
-          <a:p>
-            <a:r>
-              <a:rPr lang="fr-FR" sz="2400" dirty="0"/>
-              <a:t>Si </a:t>
-            </a:r>
-            <a:r>
-              <a:rPr lang="fr-FR" sz="2400" dirty="0" err="1"/>
-              <a:t>accuracy</a:t>
-            </a:r>
-            <a:r>
-              <a:rPr lang="fr-FR" sz="2400" dirty="0"/>
-              <a:t> &gt; </a:t>
-            </a:r>
-            <a:r>
-              <a:rPr lang="fr-FR" sz="2400" dirty="0" err="1"/>
-              <a:t>val_accuracy</a:t>
-            </a:r>
-            <a:r>
-              <a:rPr lang="fr-FR" sz="2400" dirty="0"/>
-              <a:t> : léger </a:t>
-            </a:r>
-            <a:r>
-              <a:rPr lang="fr-FR" sz="2400" dirty="0" err="1"/>
-              <a:t>overfitting</a:t>
-            </a:r>
-            <a:endParaRPr lang="fr-FR" sz="2400" dirty="0"/>
-          </a:p>
-          <a:p>
-            <a:r>
-              <a:rPr lang="fr-FR" sz="2400" dirty="0"/>
-              <a:t>Si </a:t>
-            </a:r>
-            <a:r>
-              <a:rPr lang="fr-FR" sz="2400" dirty="0" err="1"/>
-              <a:t>val_accuracy</a:t>
-            </a:r>
-            <a:r>
-              <a:rPr lang="fr-FR" sz="2400" dirty="0"/>
-              <a:t> &gt;= </a:t>
-            </a:r>
-            <a:r>
-              <a:rPr lang="fr-FR" sz="2400" dirty="0" err="1"/>
-              <a:t>accuracy</a:t>
-            </a:r>
-            <a:r>
-              <a:rPr lang="fr-FR" sz="2400" dirty="0"/>
-              <a:t> : parfait</a:t>
-            </a:r>
-          </a:p>
-          <a:p>
-            <a:r>
-              <a:rPr lang="fr-FR" sz="2400" dirty="0"/>
-              <a:t>Si </a:t>
-            </a:r>
-            <a:r>
-              <a:rPr lang="fr-FR" sz="2400" dirty="0" err="1"/>
-              <a:t>val_accuracy</a:t>
-            </a:r>
-            <a:r>
-              <a:rPr lang="fr-FR" sz="2400" dirty="0"/>
-              <a:t> &gt;&gt; </a:t>
-            </a:r>
-            <a:r>
-              <a:rPr lang="fr-FR" sz="2400" dirty="0" err="1"/>
-              <a:t>accuracy</a:t>
-            </a:r>
-            <a:r>
-              <a:rPr lang="fr-FR" sz="2400" dirty="0"/>
-              <a:t> : anormal</a:t>
-            </a:r>
-          </a:p>
-          <a:p>
-            <a:endParaRPr lang="fr-FR" sz="2400" dirty="0"/>
+              <a:rPr lang="fr-FR" dirty="0"/>
+              <a:t>Il est difficile de comparer des données de l’ordre de 100000 et de l’ordre de 0.00001</a:t>
+            </a:r>
+          </a:p>
+          <a:p>
+            <a:pPr lvl="1"/>
+            <a:r>
+              <a:rPr lang="fr-FR" dirty="0"/>
+              <a:t>La descente du gradient va être négligeable sur 100000 et important sur 0.00001</a:t>
+            </a:r>
+          </a:p>
+          <a:p>
+            <a:pPr lvl="1"/>
+            <a:r>
+              <a:rPr lang="fr-FR" dirty="0"/>
+              <a:t>Peut empêcher un réseau de fonctionner</a:t>
+            </a:r>
+          </a:p>
+          <a:p>
+            <a:r>
+              <a:rPr lang="fr-FR" dirty="0"/>
+              <a:t>Standardisation</a:t>
+            </a:r>
+          </a:p>
+          <a:p>
+            <a:pPr lvl="1"/>
+            <a:r>
+              <a:rPr lang="fr-FR" dirty="0"/>
+              <a:t>Permet de comparer des données comparables</a:t>
+            </a:r>
+          </a:p>
+          <a:p>
+            <a:pPr lvl="1"/>
+            <a:r>
+              <a:rPr lang="fr-FR" dirty="0"/>
+              <a:t>Par exemple centrer les données sur zéro avec un écart type de 1</a:t>
+            </a:r>
+          </a:p>
+          <a:p>
+            <a:pPr lvl="1"/>
+            <a:r>
+              <a:rPr lang="fr-FR" dirty="0"/>
+              <a:t>F(x) = (x – </a:t>
+            </a:r>
+            <a:r>
+              <a:rPr lang="fr-FR" dirty="0" err="1"/>
+              <a:t>moy</a:t>
+            </a:r>
+            <a:r>
+              <a:rPr lang="fr-FR" dirty="0"/>
+              <a:t>) / </a:t>
+            </a:r>
+            <a:r>
+              <a:rPr lang="fr-FR" dirty="0" err="1"/>
+              <a:t>std</a:t>
+            </a:r>
+            <a:endParaRPr lang="fr-FR" dirty="0"/>
           </a:p>
         </p:txBody>
       </p:sp>
     </p:spTree>
     <p:extLst>
       <p:ext uri="{BB962C8B-B14F-4D97-AF65-F5344CB8AC3E}">
-        <p14:creationId xmlns:p14="http://schemas.microsoft.com/office/powerpoint/2010/main" val="4009506265"/>
+        <p14:creationId xmlns:p14="http://schemas.microsoft.com/office/powerpoint/2010/main" val="2815797015"/>
       </p:ext>
     </p:extLst>
   </p:cSld>
@@ -7000,10 +6949,9 @@
           <a:lstStyle/>
           <a:p>
             <a:r>
-              <a:rPr lang="fr-FR" dirty="0" err="1"/>
-              <a:t>Scaling</a:t>
-            </a:r>
-            <a:endParaRPr lang="fr-FR" dirty="0"/>
+              <a:rPr lang="fr-FR" dirty="0"/>
+              <a:t>Standardisation d’un jeux de données</a:t>
+            </a:r>
           </a:p>
         </p:txBody>
       </p:sp>
@@ -7023,70 +6971,118 @@
           <a:lstStyle/>
           <a:p>
             <a:r>
-              <a:rPr lang="fr-FR" dirty="0"/>
-              <a:t>Il est difficile de comparer des données de l’ordre de 100000 et de l’ordre de 0.00001</a:t>
-            </a:r>
-          </a:p>
-          <a:p>
-            <a:pPr lvl="1"/>
-            <a:r>
-              <a:rPr lang="fr-FR" dirty="0"/>
-              <a:t>La descente du gradient va être négligeable sur 100000 et important sur 0.00001</a:t>
-            </a:r>
-          </a:p>
-          <a:p>
-            <a:pPr lvl="1"/>
-            <a:r>
-              <a:rPr lang="fr-FR" dirty="0"/>
-              <a:t>Peut empêcher un réseau de fonctionner</a:t>
-            </a:r>
-          </a:p>
-          <a:p>
-            <a:r>
-              <a:rPr lang="fr-FR" dirty="0"/>
-              <a:t>Standardisation</a:t>
-            </a:r>
-          </a:p>
-          <a:p>
-            <a:pPr lvl="1"/>
-            <a:r>
-              <a:rPr lang="fr-FR" dirty="0"/>
-              <a:t>Permet de comparer des données comparables</a:t>
-            </a:r>
-          </a:p>
-          <a:p>
-            <a:pPr lvl="1"/>
-            <a:r>
-              <a:rPr lang="fr-FR" dirty="0"/>
-              <a:t>Par exemple centrer les données sur zéro avec un écart type de 1</a:t>
-            </a:r>
-          </a:p>
-          <a:p>
-            <a:pPr lvl="1"/>
-            <a:r>
-              <a:rPr lang="fr-FR" dirty="0"/>
-              <a:t>F(x) = (x – </a:t>
-            </a:r>
-            <a:r>
-              <a:rPr lang="fr-FR" dirty="0" err="1"/>
-              <a:t>moy</a:t>
-            </a:r>
-            <a:r>
-              <a:rPr lang="fr-FR" dirty="0"/>
-              <a:t>) / </a:t>
-            </a:r>
-            <a:r>
-              <a:rPr lang="fr-FR" dirty="0" err="1"/>
-              <a:t>std</a:t>
-            </a:r>
-            <a:endParaRPr lang="fr-FR" dirty="0"/>
-          </a:p>
-        </p:txBody>
-      </p:sp>
+              <a:rPr lang="fr-FR" sz="2400" dirty="0"/>
+              <a:t>Permet de normaliser les données</a:t>
+            </a:r>
+          </a:p>
+          <a:p>
+            <a:r>
+              <a:rPr lang="fr-FR" sz="2400" dirty="0" err="1"/>
+              <a:t>MinMaxScaler</a:t>
+            </a:r>
+            <a:endParaRPr lang="fr-FR" sz="2400" dirty="0"/>
+          </a:p>
+          <a:p>
+            <a:pPr lvl="1"/>
+            <a:r>
+              <a:rPr lang="fr-FR" sz="2000" dirty="0"/>
+              <a:t>Transforme les données pour qu’elles soient comprises entre min et max</a:t>
+            </a:r>
+          </a:p>
+          <a:p>
+            <a:r>
+              <a:rPr lang="fr-FR" sz="2400" dirty="0" err="1"/>
+              <a:t>StandardScaler</a:t>
+            </a:r>
+            <a:endParaRPr lang="fr-FR" sz="2400" dirty="0"/>
+          </a:p>
+          <a:p>
+            <a:pPr lvl="1"/>
+            <a:r>
+              <a:rPr lang="fr-FR" sz="2000" dirty="0"/>
+              <a:t>Supprime la moyenne et la mise à l'échelle de la variance de l'unité et en centrant sur 0</a:t>
+            </a:r>
+          </a:p>
+          <a:p>
+            <a:pPr lvl="1"/>
+            <a:r>
+              <a:rPr lang="fr-FR" sz="2000" dirty="0"/>
+              <a:t>La moyenne devient 0</a:t>
+            </a:r>
+          </a:p>
+          <a:p>
+            <a:pPr lvl="1"/>
+            <a:r>
+              <a:rPr lang="fr-FR" sz="2000" dirty="0"/>
+              <a:t>L’écart type devient 1</a:t>
+            </a:r>
+          </a:p>
+          <a:p>
+            <a:r>
+              <a:rPr lang="fr-FR" sz="2400" dirty="0" err="1"/>
+              <a:t>RobustScaler</a:t>
+            </a:r>
+            <a:endParaRPr lang="fr-FR" sz="2400" dirty="0"/>
+          </a:p>
+          <a:p>
+            <a:pPr lvl="1"/>
+            <a:r>
+              <a:rPr lang="fr-FR" sz="2000" dirty="0"/>
+              <a:t>Fonctionne comme </a:t>
+            </a:r>
+            <a:r>
+              <a:rPr lang="fr-FR" sz="2000" dirty="0" err="1"/>
+              <a:t>StandardScaler</a:t>
+            </a:r>
+            <a:r>
+              <a:rPr lang="fr-FR" sz="2000" dirty="0"/>
+              <a:t> mais en quantile</a:t>
+            </a:r>
+          </a:p>
+          <a:p>
+            <a:pPr lvl="1"/>
+            <a:r>
+              <a:rPr lang="fr-FR" sz="2000" dirty="0"/>
+              <a:t>Si x &lt; médiane = f(x) = (x – médiane) / quartile</a:t>
+            </a:r>
+          </a:p>
+          <a:p>
+            <a:pPr lvl="1"/>
+            <a:r>
+              <a:rPr lang="fr-FR" sz="2000" dirty="0"/>
+              <a:t>Si x &gt; médiane = f(x) = (x – médiane) / 0.75ile</a:t>
+            </a:r>
+          </a:p>
+        </p:txBody>
+      </p:sp>
+      <p:pic>
+        <p:nvPicPr>
+          <p:cNvPr id="4" name="Image 3"/>
+          <p:cNvPicPr>
+            <a:picLocks noChangeAspect="1"/>
+          </p:cNvPicPr>
+          <p:nvPr/>
+        </p:nvPicPr>
+        <p:blipFill>
+          <a:blip r:embed="rId2"/>
+          <a:stretch>
+            <a:fillRect/>
+          </a:stretch>
+        </p:blipFill>
+        <p:spPr>
+          <a:xfrm>
+            <a:off x="3923928" y="3789040"/>
+            <a:ext cx="4464496" cy="1128609"/>
+          </a:xfrm>
+          <a:prstGeom prst="rect">
+            <a:avLst/>
+          </a:prstGeom>
+        </p:spPr>
+      </p:pic>
     </p:spTree>
     <p:extLst>
       <p:ext uri="{BB962C8B-B14F-4D97-AF65-F5344CB8AC3E}">
-        <p14:creationId xmlns:p14="http://schemas.microsoft.com/office/powerpoint/2010/main" val="2815797015"/>
+        <p14:creationId xmlns:p14="http://schemas.microsoft.com/office/powerpoint/2010/main" val="97404205"/>
       </p:ext>
     </p:extLst>
   </p:cSld>
@@ -7243,182 +7239,6 @@
           <a:p>
             <a:r>
               <a:rPr lang="fr-FR" dirty="0"/>
-              <a:t>Standardisation d’un jeux de données</a:t>
-            </a:r>
-          </a:p>
-        </p:txBody>
-      </p:sp>
-      <p:sp>
-        <p:nvSpPr>
-          <p:cNvPr id="3" name="Espace réservé du contenu 2"/>
-          <p:cNvSpPr>
-            <a:spLocks noGrp="1"/>
-          </p:cNvSpPr>
-          <p:nvPr>
-            <p:ph idx="1"/>
-          </p:nvPr>
-        </p:nvSpPr>
-        <p:spPr/>
-        <p:txBody>
-          <a:bodyPr/>
-          <a:lstStyle/>
-          <a:p>
-            <a:r>
-              <a:rPr lang="fr-FR" sz="2400" dirty="0"/>
-              <a:t>Permet de normaliser les données</a:t>
-            </a:r>
-          </a:p>
-          <a:p>
-            <a:r>
-              <a:rPr lang="fr-FR" sz="2400" dirty="0" err="1"/>
-              <a:t>MinMaxScaler</a:t>
-            </a:r>
-            <a:endParaRPr lang="fr-FR" sz="2400" dirty="0"/>
-          </a:p>
-          <a:p>
-            <a:pPr lvl="1"/>
-            <a:r>
-              <a:rPr lang="fr-FR" sz="2000" dirty="0"/>
-              <a:t>Transforme les données pour qu’elles soient comprises entre min et max</a:t>
-            </a:r>
-          </a:p>
-          <a:p>
-            <a:r>
-              <a:rPr lang="fr-FR" sz="2400" dirty="0" err="1"/>
-              <a:t>StandardScaler</a:t>
-            </a:r>
-            <a:endParaRPr lang="fr-FR" sz="2400" dirty="0"/>
-          </a:p>
-          <a:p>
-            <a:pPr lvl="1"/>
-            <a:r>
-              <a:rPr lang="fr-FR" sz="2000" dirty="0"/>
-              <a:t>Supprime la moyenne et la mise à l'échelle de la variance de l'unité et en centrant sur 0</a:t>
-            </a:r>
-          </a:p>
-          <a:p>
-            <a:pPr lvl="1"/>
-            <a:r>
-              <a:rPr lang="fr-FR" sz="2000" dirty="0"/>
-              <a:t>La moyenne devient 0</a:t>
-            </a:r>
-          </a:p>
-          <a:p>
-            <a:pPr lvl="1"/>
-            <a:r>
-              <a:rPr lang="fr-FR" sz="2000" dirty="0"/>
-              <a:t>L’écart type devient 1</a:t>
-            </a:r>
-          </a:p>
-          <a:p>
-            <a:r>
-              <a:rPr lang="fr-FR" sz="2400" dirty="0" err="1"/>
-              <a:t>RobustScaler</a:t>
-            </a:r>
-            <a:endParaRPr lang="fr-FR" sz="2400" dirty="0"/>
-          </a:p>
-          <a:p>
-            <a:pPr lvl="1"/>
-            <a:r>
-              <a:rPr lang="fr-FR" sz="2000" dirty="0"/>
-              <a:t>Fonctionne comme </a:t>
-            </a:r>
-            <a:r>
-              <a:rPr lang="fr-FR" sz="2000" dirty="0" err="1"/>
-              <a:t>StandardScaler</a:t>
-            </a:r>
-            <a:r>
-              <a:rPr lang="fr-FR" sz="2000" dirty="0"/>
-              <a:t> mais en quantile</a:t>
-            </a:r>
-          </a:p>
-          <a:p>
-            <a:pPr lvl="1"/>
-            <a:r>
-              <a:rPr lang="fr-FR" sz="2000" dirty="0"/>
-              <a:t>Si x &lt; médiane = f(x) = (x – médiane) / quartile</a:t>
-            </a:r>
-          </a:p>
-          <a:p>
-            <a:pPr lvl="1"/>
-            <a:r>
-              <a:rPr lang="fr-FR" sz="2000" dirty="0"/>
-              <a:t>Si x &gt; médiane = f(x) = (x – médiane) / 0.75ile</a:t>
-            </a:r>
-          </a:p>
-        </p:txBody>
-      </p:sp>
-      <p:pic>
-        <p:nvPicPr>
-          <p:cNvPr id="4" name="Image 3"/>
-          <p:cNvPicPr>
-            <a:picLocks noChangeAspect="1"/>
-          </p:cNvPicPr>
-          <p:nvPr/>
-        </p:nvPicPr>
-        <p:blipFill>
-          <a:blip r:embed="rId2"/>
-          <a:stretch>
-            <a:fillRect/>
-          </a:stretch>
-        </p:blipFill>
-        <p:spPr>
-          <a:xfrm>
-            <a:off x="3923928" y="3789040"/>
-            <a:ext cx="4464496" cy="1128609"/>
-          </a:xfrm>
-          <a:prstGeom prst="rect">
-            <a:avLst/>
-          </a:prstGeom>
-        </p:spPr>
-      </p:pic>
-    </p:spTree>
-    <p:extLst>
-      <p:ext uri="{BB962C8B-B14F-4D97-AF65-F5344CB8AC3E}">
-        <p14:creationId xmlns:p14="http://schemas.microsoft.com/office/powerpoint/2010/main" val="97404205"/>
-      </p:ext>
-    </p:extLst>
-  </p:cSld>
-  <p:clrMapOvr>
-    <a:masterClrMapping/>
-  </p:clrMapOvr>
-</p:sld>
-</file>
-
-<file path=ppt/slides/slide31.xml><?xml version="1.0" encoding="utf-8"?>
-<p:sld xmlns:a="http://schemas.openxmlformats.org/drawingml/2006/main" xmlns:r="http://schemas.openxmlformats.org/officeDocument/2006/relationships" xmlns:p="http://schemas.openxmlformats.org/presentationml/2006/main">
-  <p:cSld>
-    <p:spTree>
-      <p:nvGrpSpPr>
-        <p:cNvPr id="1" name=""/>
-        <p:cNvGrpSpPr/>
-        <p:nvPr/>
-      </p:nvGrpSpPr>
-      <p:grpSpPr>
-        <a:xfrm>
-          <a:off x="0" y="0"/>
-          <a:ext cx="0" cy="0"/>
-          <a:chOff x="0" y="0"/>
-          <a:chExt cx="0" cy="0"/>
-        </a:xfrm>
-      </p:grpSpPr>
-      <p:sp>
-        <p:nvSpPr>
-          <p:cNvPr id="2" name="Titre 1"/>
-          <p:cNvSpPr>
-            <a:spLocks noGrp="1"/>
-          </p:cNvSpPr>
-          <p:nvPr>
-            <p:ph type="title"/>
-          </p:nvPr>
-        </p:nvSpPr>
-        <p:spPr/>
-        <p:txBody>
-          <a:bodyPr/>
-          <a:lstStyle/>
-          <a:p>
-            <a:r>
-              <a:rPr lang="fr-FR" dirty="0"/>
               <a:t>Calcul du </a:t>
             </a:r>
             <a:r>
@@ -7510,7 +7330,7 @@
 </p:sld>
 </file>
 
-<file path=ppt/slides/slide32.xml><?xml version="1.0" encoding="utf-8"?>
+<file path=ppt/slides/slide31.xml><?xml version="1.0" encoding="utf-8"?>
 <p:sld xmlns:a="http://schemas.openxmlformats.org/drawingml/2006/main" xmlns:r="http://schemas.openxmlformats.org/officeDocument/2006/relationships" xmlns:p="http://schemas.openxmlformats.org/presentationml/2006/main">
   <p:cSld>
     <p:spTree>
@@ -7724,7 +7544,7 @@
 </p:sld>
 </file>
 
-<file path=ppt/slides/slide33.xml><?xml version="1.0" encoding="utf-8"?>
+<file path=ppt/slides/slide32.xml><?xml version="1.0" encoding="utf-8"?>
 <p:sld xmlns:a="http://schemas.openxmlformats.org/drawingml/2006/main" xmlns:r="http://schemas.openxmlformats.org/officeDocument/2006/relationships" xmlns:p="http://schemas.openxmlformats.org/presentationml/2006/main">
   <p:cSld>
     <p:spTree>
@@ -7936,6 +7756,193 @@
 </p:sld>
 </file>
 
+<file path=ppt/slides/slide33.xml><?xml version="1.0" encoding="utf-8"?>
+<p:sld xmlns:a="http://schemas.openxmlformats.org/drawingml/2006/main" xmlns:r="http://schemas.openxmlformats.org/officeDocument/2006/relationships" xmlns:p="http://schemas.openxmlformats.org/presentationml/2006/main">
+  <p:cSld>
+    <p:spTree>
+      <p:nvGrpSpPr>
+        <p:cNvPr id="1" name=""/>
+        <p:cNvGrpSpPr/>
+        <p:nvPr/>
+      </p:nvGrpSpPr>
+      <p:grpSpPr>
+        <a:xfrm>
+          <a:off x="0" y="0"/>
+          <a:ext cx="0" cy="0"/>
+          <a:chOff x="0" y="0"/>
+          <a:chExt cx="0" cy="0"/>
+        </a:xfrm>
+      </p:grpSpPr>
+      <p:sp>
+        <p:nvSpPr>
+          <p:cNvPr id="2" name="Titre 1">
+            <a:extLst>
+              <a:ext uri="{FF2B5EF4-FFF2-40B4-BE49-F238E27FC236}">
+                <a16:creationId xmlns:a16="http://schemas.microsoft.com/office/drawing/2014/main" id="{A706EE5B-DE35-4889-9449-64CF7C38897F}"/>
+              </a:ext>
+            </a:extLst>
+          </p:cNvPr>
+          <p:cNvSpPr>
+            <a:spLocks noGrp="1"/>
+          </p:cNvSpPr>
+          <p:nvPr>
+            <p:ph type="title"/>
+          </p:nvPr>
+        </p:nvSpPr>
+        <p:spPr/>
+        <p:txBody>
+          <a:bodyPr/>
+          <a:lstStyle/>
+          <a:p>
+            <a:r>
+              <a:rPr lang="fr-FR" dirty="0"/>
+              <a:t>Fonction de répartition de probabilité</a:t>
+            </a:r>
+          </a:p>
+        </p:txBody>
+      </p:sp>
+      <p:sp>
+        <p:nvSpPr>
+          <p:cNvPr id="3" name="Espace réservé du contenu 2">
+            <a:extLst>
+              <a:ext uri="{FF2B5EF4-FFF2-40B4-BE49-F238E27FC236}">
+                <a16:creationId xmlns:a16="http://schemas.microsoft.com/office/drawing/2014/main" id="{15C6585B-826F-466E-BCBD-546392E175DD}"/>
+              </a:ext>
+            </a:extLst>
+          </p:cNvPr>
+          <p:cNvSpPr>
+            <a:spLocks noGrp="1"/>
+          </p:cNvSpPr>
+          <p:nvPr>
+            <p:ph idx="1"/>
+          </p:nvPr>
+        </p:nvSpPr>
+        <p:spPr/>
+        <p:txBody>
+          <a:bodyPr/>
+          <a:lstStyle/>
+          <a:p>
+            <a:r>
+              <a:rPr lang="fr-FR" dirty="0"/>
+              <a:t>La somme des scores doit faire 1</a:t>
+            </a:r>
+          </a:p>
+          <a:p>
+            <a:r>
+              <a:rPr lang="fr-FR" dirty="0"/>
+              <a:t>Répartition linéaire</a:t>
+            </a:r>
+          </a:p>
+          <a:p>
+            <a:pPr lvl="1"/>
+            <a:r>
+              <a:rPr lang="fr-FR" dirty="0"/>
+              <a:t>Respect des ratios des scores</a:t>
+            </a:r>
+          </a:p>
+          <a:p>
+            <a:pPr lvl="1"/>
+            <a:r>
+              <a:rPr lang="fr-FR" dirty="0"/>
+              <a:t>lambda x : x / </a:t>
+            </a:r>
+            <a:r>
+              <a:rPr lang="fr-FR" dirty="0" err="1"/>
+              <a:t>sum</a:t>
+            </a:r>
+            <a:r>
+              <a:rPr lang="fr-FR" dirty="0"/>
+              <a:t>(x)</a:t>
+            </a:r>
+          </a:p>
+          <a:p>
+            <a:r>
+              <a:rPr lang="fr-FR" dirty="0"/>
+              <a:t>Répartition géométrique</a:t>
+            </a:r>
+          </a:p>
+          <a:p>
+            <a:pPr lvl="1"/>
+            <a:r>
+              <a:rPr lang="fr-FR" dirty="0"/>
+              <a:t>Non respect des ratios mais respect de l'ordre</a:t>
+            </a:r>
+          </a:p>
+          <a:p>
+            <a:pPr lvl="1"/>
+            <a:r>
+              <a:rPr lang="fr-FR" dirty="0"/>
+              <a:t>lambda x : x ** 2 / </a:t>
+            </a:r>
+            <a:r>
+              <a:rPr lang="fr-FR" dirty="0" err="1"/>
+              <a:t>sum</a:t>
+            </a:r>
+            <a:r>
+              <a:rPr lang="fr-FR" dirty="0"/>
+              <a:t>(x ** 2)</a:t>
+            </a:r>
+          </a:p>
+          <a:p>
+            <a:r>
+              <a:rPr lang="fr-FR" dirty="0" err="1"/>
+              <a:t>Softmax</a:t>
+            </a:r>
+            <a:endParaRPr lang="fr-FR" dirty="0"/>
+          </a:p>
+          <a:p>
+            <a:pPr lvl="1"/>
+            <a:r>
+              <a:rPr lang="fr-FR" dirty="0"/>
+              <a:t>Aide au choix</a:t>
+            </a:r>
+          </a:p>
+          <a:p>
+            <a:pPr lvl="1"/>
+            <a:r>
+              <a:rPr lang="fr-FR" dirty="0"/>
+              <a:t>lambda x : </a:t>
+            </a:r>
+            <a:r>
+              <a:rPr lang="fr-FR" dirty="0" err="1"/>
+              <a:t>np.exp</a:t>
+            </a:r>
+            <a:r>
+              <a:rPr lang="fr-FR" dirty="0"/>
+              <a:t>(x)/</a:t>
+            </a:r>
+            <a:r>
+              <a:rPr lang="fr-FR" dirty="0" err="1"/>
+              <a:t>sum</a:t>
+            </a:r>
+            <a:r>
+              <a:rPr lang="fr-FR" dirty="0"/>
+              <a:t>(</a:t>
+            </a:r>
+            <a:r>
+              <a:rPr lang="fr-FR" dirty="0" err="1"/>
+              <a:t>np.exp</a:t>
+            </a:r>
+            <a:r>
+              <a:rPr lang="fr-FR" dirty="0"/>
+              <a:t>(x))</a:t>
+            </a:r>
+          </a:p>
+        </p:txBody>
+      </p:sp>
+    </p:spTree>
+    <p:extLst>
+      <p:ext uri="{BB962C8B-B14F-4D97-AF65-F5344CB8AC3E}">
+        <p14:creationId xmlns:p14="http://schemas.microsoft.com/office/powerpoint/2010/main" val="446270775"/>
+      </p:ext>
+    </p:extLst>
+  </p:cSld>
+  <p:clrMapOvr>
+    <a:masterClrMapping/>
+  </p:clrMapOvr>
+</p:sld>
+</file>
+
 <file path=ppt/slides/slide34.xml><?xml version="1.0" encoding="utf-8"?>
 <p:sld xmlns:a="http://schemas.openxmlformats.org/drawingml/2006/main" xmlns:r="http://schemas.openxmlformats.org/officeDocument/2006/relationships" xmlns:p="http://schemas.openxmlformats.org/presentationml/2006/main">
   <p:cSld>
@@ -7955,193 +7962,6 @@
       </p:grpSpPr>
       <p:sp>
         <p:nvSpPr>
-          <p:cNvPr id="2" name="Titre 1">
-            <a:extLst>
-              <a:ext uri="{FF2B5EF4-FFF2-40B4-BE49-F238E27FC236}">
-                <a16:creationId xmlns:a16="http://schemas.microsoft.com/office/drawing/2014/main" id="{A706EE5B-DE35-4889-9449-64CF7C38897F}"/>
-              </a:ext>
-            </a:extLst>
-          </p:cNvPr>
-          <p:cNvSpPr>
-            <a:spLocks noGrp="1"/>
-          </p:cNvSpPr>
-          <p:nvPr>
-            <p:ph type="title"/>
-          </p:nvPr>
-        </p:nvSpPr>
-        <p:spPr/>
-        <p:txBody>
-          <a:bodyPr/>
-          <a:lstStyle/>
-          <a:p>
-            <a:r>
-              <a:rPr lang="fr-FR" dirty="0"/>
-              <a:t>Fonction de répartition de probabilité</a:t>
-            </a:r>
-          </a:p>
-        </p:txBody>
-      </p:sp>
-      <p:sp>
-        <p:nvSpPr>
-          <p:cNvPr id="3" name="Espace réservé du contenu 2">
-            <a:extLst>
-              <a:ext uri="{FF2B5EF4-FFF2-40B4-BE49-F238E27FC236}">
-                <a16:creationId xmlns:a16="http://schemas.microsoft.com/office/drawing/2014/main" id="{15C6585B-826F-466E-BCBD-546392E175DD}"/>
-              </a:ext>
-            </a:extLst>
-          </p:cNvPr>
-          <p:cNvSpPr>
-            <a:spLocks noGrp="1"/>
-          </p:cNvSpPr>
-          <p:nvPr>
-            <p:ph idx="1"/>
-          </p:nvPr>
-        </p:nvSpPr>
-        <p:spPr/>
-        <p:txBody>
-          <a:bodyPr/>
-          <a:lstStyle/>
-          <a:p>
-            <a:r>
-              <a:rPr lang="fr-FR" dirty="0"/>
-              <a:t>La somme des scores doit faire 1</a:t>
-            </a:r>
-          </a:p>
-          <a:p>
-            <a:r>
-              <a:rPr lang="fr-FR" dirty="0"/>
-              <a:t>Répartition linéaire</a:t>
-            </a:r>
-          </a:p>
-          <a:p>
-            <a:pPr lvl="1"/>
-            <a:r>
-              <a:rPr lang="fr-FR" dirty="0"/>
-              <a:t>Respect des ratios des scores</a:t>
-            </a:r>
-          </a:p>
-          <a:p>
-            <a:pPr lvl="1"/>
-            <a:r>
-              <a:rPr lang="fr-FR" dirty="0"/>
-              <a:t>lambda x : x / </a:t>
-            </a:r>
-            <a:r>
-              <a:rPr lang="fr-FR" dirty="0" err="1"/>
-              <a:t>sum</a:t>
-            </a:r>
-            <a:r>
-              <a:rPr lang="fr-FR" dirty="0"/>
-              <a:t>(x)</a:t>
-            </a:r>
-          </a:p>
-          <a:p>
-            <a:r>
-              <a:rPr lang="fr-FR" dirty="0"/>
-              <a:t>Répartition géométrique</a:t>
-            </a:r>
-          </a:p>
-          <a:p>
-            <a:pPr lvl="1"/>
-            <a:r>
-              <a:rPr lang="fr-FR" dirty="0"/>
-              <a:t>Non respect des ratios mais respect de l'ordre</a:t>
-            </a:r>
-          </a:p>
-          <a:p>
-            <a:pPr lvl="1"/>
-            <a:r>
-              <a:rPr lang="fr-FR" dirty="0"/>
-              <a:t>lambda x : x ** 2 / </a:t>
-            </a:r>
-            <a:r>
-              <a:rPr lang="fr-FR" dirty="0" err="1"/>
-              <a:t>sum</a:t>
-            </a:r>
-            <a:r>
-              <a:rPr lang="fr-FR" dirty="0"/>
-              <a:t>(x ** 2)</a:t>
-            </a:r>
-          </a:p>
-          <a:p>
-            <a:r>
-              <a:rPr lang="fr-FR" dirty="0" err="1"/>
-              <a:t>Softmax</a:t>
-            </a:r>
-            <a:endParaRPr lang="fr-FR" dirty="0"/>
-          </a:p>
-          <a:p>
-            <a:pPr lvl="1"/>
-            <a:r>
-              <a:rPr lang="fr-FR" dirty="0"/>
-              <a:t>Aide au choix</a:t>
-            </a:r>
-          </a:p>
-          <a:p>
-            <a:pPr lvl="1"/>
-            <a:r>
-              <a:rPr lang="fr-FR" dirty="0"/>
-              <a:t>lambda x : </a:t>
-            </a:r>
-            <a:r>
-              <a:rPr lang="fr-FR" dirty="0" err="1"/>
-              <a:t>np.exp</a:t>
-            </a:r>
-            <a:r>
-              <a:rPr lang="fr-FR" dirty="0"/>
-              <a:t>(x)/</a:t>
-            </a:r>
-            <a:r>
-              <a:rPr lang="fr-FR" dirty="0" err="1"/>
-              <a:t>sum</a:t>
-            </a:r>
-            <a:r>
-              <a:rPr lang="fr-FR" dirty="0"/>
-              <a:t>(</a:t>
-            </a:r>
-            <a:r>
-              <a:rPr lang="fr-FR" dirty="0" err="1"/>
-              <a:t>np.exp</a:t>
-            </a:r>
-            <a:r>
-              <a:rPr lang="fr-FR" dirty="0"/>
-              <a:t>(x))</a:t>
-            </a:r>
-          </a:p>
-        </p:txBody>
-      </p:sp>
-    </p:spTree>
-    <p:extLst>
-      <p:ext uri="{BB962C8B-B14F-4D97-AF65-F5344CB8AC3E}">
-        <p14:creationId xmlns:p14="http://schemas.microsoft.com/office/powerpoint/2010/main" val="446270775"/>
-      </p:ext>
-    </p:extLst>
-  </p:cSld>
-  <p:clrMapOvr>
-    <a:masterClrMapping/>
-  </p:clrMapOvr>
-</p:sld>
-</file>
-
-<file path=ppt/slides/slide35.xml><?xml version="1.0" encoding="utf-8"?>
-<p:sld xmlns:a="http://schemas.openxmlformats.org/drawingml/2006/main" xmlns:r="http://schemas.openxmlformats.org/officeDocument/2006/relationships" xmlns:p="http://schemas.openxmlformats.org/presentationml/2006/main">
-  <p:cSld>
-    <p:spTree>
-      <p:nvGrpSpPr>
-        <p:cNvPr id="1" name=""/>
-        <p:cNvGrpSpPr/>
-        <p:nvPr/>
-      </p:nvGrpSpPr>
-      <p:grpSpPr>
-        <a:xfrm>
-          <a:off x="0" y="0"/>
-          <a:ext cx="0" cy="0"/>
-          <a:chOff x="0" y="0"/>
-          <a:chExt cx="0" cy="0"/>
-        </a:xfrm>
-      </p:grpSpPr>
-      <p:sp>
-        <p:nvSpPr>
           <p:cNvPr id="2" name="Titre 1"/>
           <p:cNvSpPr>
             <a:spLocks noGrp="1"/>
@@ -8255,7 +8075,7 @@
 </p:sld>
 </file>
 
-<file path=ppt/slides/slide36.xml><?xml version="1.0" encoding="utf-8"?>
+<file path=ppt/slides/slide35.xml><?xml version="1.0" encoding="utf-8"?>
 <p:sld xmlns:a="http://schemas.openxmlformats.org/drawingml/2006/main" xmlns:r="http://schemas.openxmlformats.org/officeDocument/2006/relationships" xmlns:p="http://schemas.openxmlformats.org/presentationml/2006/main">
   <p:cSld>
     <p:spTree>
@@ -8410,6 +8230,160 @@
 </p:sld>
 </file>
 
+<file path=ppt/slides/slide36.xml><?xml version="1.0" encoding="utf-8"?>
+<p:sld xmlns:a="http://schemas.openxmlformats.org/drawingml/2006/main" xmlns:r="http://schemas.openxmlformats.org/officeDocument/2006/relationships" xmlns:p="http://schemas.openxmlformats.org/presentationml/2006/main">
+  <p:cSld>
+    <p:spTree>
+      <p:nvGrpSpPr>
+        <p:cNvPr id="1" name=""/>
+        <p:cNvGrpSpPr/>
+        <p:nvPr/>
+      </p:nvGrpSpPr>
+      <p:grpSpPr>
+        <a:xfrm>
+          <a:off x="0" y="0"/>
+          <a:ext cx="0" cy="0"/>
+          <a:chOff x="0" y="0"/>
+          <a:chExt cx="0" cy="0"/>
+        </a:xfrm>
+      </p:grpSpPr>
+      <p:sp>
+        <p:nvSpPr>
+          <p:cNvPr id="2" name="Titre 1"/>
+          <p:cNvSpPr>
+            <a:spLocks noGrp="1"/>
+          </p:cNvSpPr>
+          <p:nvPr>
+            <p:ph type="title"/>
+          </p:nvPr>
+        </p:nvSpPr>
+        <p:spPr/>
+        <p:txBody>
+          <a:bodyPr/>
+          <a:lstStyle/>
+          <a:p>
+            <a:r>
+              <a:rPr lang="fr-FR"/>
+              <a:t>Solidification du modèle</a:t>
+            </a:r>
+          </a:p>
+        </p:txBody>
+      </p:sp>
+      <p:sp>
+        <p:nvSpPr>
+          <p:cNvPr id="3" name="Espace réservé du contenu 2"/>
+          <p:cNvSpPr>
+            <a:spLocks noGrp="1"/>
+          </p:cNvSpPr>
+          <p:nvPr>
+            <p:ph idx="1"/>
+          </p:nvPr>
+        </p:nvSpPr>
+        <p:spPr/>
+        <p:txBody>
+          <a:bodyPr/>
+          <a:lstStyle/>
+          <a:p>
+            <a:r>
+              <a:rPr lang="fr-FR" dirty="0"/>
+              <a:t>Il est possible de sauvegarder la configuration du modèle</a:t>
+            </a:r>
+          </a:p>
+          <a:p>
+            <a:pPr lvl="1"/>
+            <a:r>
+              <a:rPr lang="fr-FR" dirty="0"/>
+              <a:t>Portable</a:t>
+            </a:r>
+          </a:p>
+          <a:p>
+            <a:pPr lvl="1"/>
+            <a:r>
+              <a:rPr lang="fr-FR" dirty="0"/>
+              <a:t>JSON</a:t>
+            </a:r>
+          </a:p>
+          <a:p>
+            <a:pPr lvl="1"/>
+            <a:r>
+              <a:rPr lang="fr-FR" dirty="0" err="1"/>
+              <a:t>json_string</a:t>
+            </a:r>
+            <a:r>
+              <a:rPr lang="fr-FR" dirty="0"/>
+              <a:t> = </a:t>
+            </a:r>
+            <a:r>
+              <a:rPr lang="fr-FR" dirty="0" err="1"/>
+              <a:t>model.to_json</a:t>
+            </a:r>
+            <a:r>
+              <a:rPr lang="fr-FR" dirty="0"/>
+              <a:t>()</a:t>
+            </a:r>
+          </a:p>
+          <a:p>
+            <a:r>
+              <a:rPr lang="fr-FR" dirty="0"/>
+              <a:t>Il est possible de sauvegarder entièrement le modèle</a:t>
+            </a:r>
+          </a:p>
+          <a:p>
+            <a:pPr lvl="1"/>
+            <a:r>
+              <a:rPr lang="fr-FR" dirty="0"/>
+              <a:t>Uniquement </a:t>
+            </a:r>
+            <a:r>
+              <a:rPr lang="fr-FR" dirty="0" err="1"/>
+              <a:t>Keras</a:t>
+            </a:r>
+            <a:r>
+              <a:rPr lang="fr-FR" dirty="0"/>
+              <a:t> H5</a:t>
+            </a:r>
+          </a:p>
+          <a:p>
+            <a:pPr lvl="1"/>
+            <a:r>
+              <a:rPr lang="fr-FR" dirty="0" err="1"/>
+              <a:t>model.save</a:t>
+            </a:r>
+            <a:r>
+              <a:rPr lang="fr-FR" dirty="0"/>
+              <a:t>(file.h5)</a:t>
+            </a:r>
+          </a:p>
+          <a:p>
+            <a:pPr lvl="1"/>
+            <a:r>
+              <a:rPr lang="fr-FR" dirty="0"/>
+              <a:t>model = </a:t>
+            </a:r>
+            <a:r>
+              <a:rPr lang="fr-FR" dirty="0" err="1"/>
+              <a:t>tf.keras.models.load_model</a:t>
+            </a:r>
+            <a:r>
+              <a:rPr lang="fr-FR" dirty="0"/>
+              <a:t>(file.h5)</a:t>
+            </a:r>
+          </a:p>
+        </p:txBody>
+      </p:sp>
+    </p:spTree>
+    <p:extLst>
+      <p:ext uri="{BB962C8B-B14F-4D97-AF65-F5344CB8AC3E}">
+        <p14:creationId xmlns:p14="http://schemas.microsoft.com/office/powerpoint/2010/main" val="1886155720"/>
+      </p:ext>
+    </p:extLst>
+  </p:cSld>
+  <p:clrMapOvr>
+    <a:masterClrMapping/>
+  </p:clrMapOvr>
+</p:sld>
+</file>
+
 <file path=ppt/slides/slide37.xml><?xml version="1.0" encoding="utf-8"?>
 <p:sld xmlns:a="http://schemas.openxmlformats.org/drawingml/2006/main" xmlns:r="http://schemas.openxmlformats.org/officeDocument/2006/relationships" xmlns:p="http://schemas.openxmlformats.org/presentationml/2006/main">
   <p:cSld>
@@ -8429,7 +8403,13 @@
       </p:grpSpPr>
       <p:sp>
         <p:nvSpPr>
-          <p:cNvPr id="2" name="Titre 1"/>
+          <p:cNvPr id="2" name="Titre 1">
+            <a:extLst>
+              <a:ext uri="{FF2B5EF4-FFF2-40B4-BE49-F238E27FC236}">
+                <a16:creationId xmlns:a16="http://schemas.microsoft.com/office/drawing/2014/main" id="{D9B0984B-C31F-4507-B93B-379E1A983053}"/>
+              </a:ext>
+            </a:extLst>
+          </p:cNvPr>
           <p:cNvSpPr>
             <a:spLocks noGrp="1"/>
           </p:cNvSpPr>
@@ -8443,15 +8423,21 @@
           <a:lstStyle/>
           <a:p>
             <a:r>
-              <a:rPr lang="fr-FR"/>
-              <a:t>Solidification du modèle</a:t>
-            </a:r>
-          </a:p>
-        </p:txBody>
-      </p:sp>
-      <p:sp>
-        <p:nvSpPr>
-          <p:cNvPr id="3" name="Espace réservé du contenu 2"/>
+              <a:rPr lang="fr-FR" dirty="0"/>
+              <a:t>ONNX</a:t>
+            </a:r>
+          </a:p>
+        </p:txBody>
+      </p:sp>
+      <p:sp>
+        <p:nvSpPr>
+          <p:cNvPr id="3" name="Espace réservé du contenu 2">
+            <a:extLst>
+              <a:ext uri="{FF2B5EF4-FFF2-40B4-BE49-F238E27FC236}">
+                <a16:creationId xmlns:a16="http://schemas.microsoft.com/office/drawing/2014/main" id="{B8236F60-43BF-4292-8C86-19259F6CFC16}"/>
+              </a:ext>
+            </a:extLst>
+          </p:cNvPr>
           <p:cNvSpPr>
             <a:spLocks noGrp="1"/>
           </p:cNvSpPr>
@@ -8465,64 +8451,102 @@
           <a:lstStyle/>
           <a:p>
             <a:r>
-              <a:rPr lang="fr-FR"/>
-              <a:t>Il est possible de sauvegarder la configuration du modèle</a:t>
-            </a:r>
-          </a:p>
-          <a:p>
-            <a:pPr lvl="1"/>
-            <a:r>
-              <a:rPr lang="fr-FR"/>
-              <a:t>Portable</a:t>
-            </a:r>
-          </a:p>
-          <a:p>
-            <a:pPr lvl="1"/>
-            <a:r>
-              <a:rPr lang="fr-FR"/>
-              <a:t>JSON</a:t>
-            </a:r>
-          </a:p>
-          <a:p>
-            <a:pPr lvl="1"/>
-            <a:r>
-              <a:rPr lang="fr-FR"/>
-              <a:t>json_string = model.to_json()</a:t>
-            </a:r>
-          </a:p>
-          <a:p>
-            <a:r>
-              <a:rPr lang="fr-FR"/>
-              <a:t>Il est possible de sauvegarder entièrement le modèle</a:t>
-            </a:r>
-          </a:p>
-          <a:p>
-            <a:pPr lvl="1"/>
-            <a:r>
-              <a:rPr lang="fr-FR"/>
-              <a:t>Uniquement Keras H5</a:t>
-            </a:r>
-          </a:p>
-          <a:p>
-            <a:pPr lvl="1"/>
-            <a:r>
-              <a:rPr lang="fr-FR"/>
-              <a:t>model.save(file.h5)</a:t>
-            </a:r>
-          </a:p>
-          <a:p>
-            <a:pPr lvl="1"/>
-            <a:r>
-              <a:rPr lang="fr-FR"/>
-              <a:t>model = tf.keras.models.load_model(file.h5)</a:t>
-            </a:r>
+              <a:rPr lang="fr-FR" dirty="0"/>
+              <a:t>Open Neural Network Exchange</a:t>
+            </a:r>
+          </a:p>
+          <a:p>
+            <a:pPr lvl="1"/>
+            <a:r>
+              <a:rPr lang="fr-FR" dirty="0" err="1"/>
+              <a:t>pip</a:t>
+            </a:r>
+            <a:r>
+              <a:rPr lang="fr-FR" dirty="0"/>
+              <a:t> </a:t>
+            </a:r>
+            <a:r>
+              <a:rPr lang="fr-FR" dirty="0" err="1"/>
+              <a:t>install</a:t>
+            </a:r>
+            <a:r>
+              <a:rPr lang="fr-FR" dirty="0"/>
+              <a:t> keras2onnx</a:t>
+            </a:r>
+          </a:p>
+          <a:p>
+            <a:pPr lvl="1"/>
+            <a:r>
+              <a:rPr lang="fr-FR" dirty="0" err="1"/>
+              <a:t>onnx_model</a:t>
+            </a:r>
+            <a:r>
+              <a:rPr lang="fr-FR" dirty="0"/>
+              <a:t> = keras2onnx.convert_keras(model, model.name)</a:t>
+            </a:r>
+          </a:p>
+          <a:p>
+            <a:pPr lvl="1"/>
+            <a:r>
+              <a:rPr lang="fr-FR" dirty="0"/>
+              <a:t>keras2onnx.save_model(</a:t>
+            </a:r>
+            <a:r>
+              <a:rPr lang="fr-FR" dirty="0" err="1"/>
+              <a:t>onnx_model</a:t>
+            </a:r>
+            <a:r>
+              <a:rPr lang="fr-FR" dirty="0"/>
+              <a:t>, "</a:t>
+            </a:r>
+            <a:r>
+              <a:rPr lang="fr-FR" dirty="0" err="1"/>
+              <a:t>model.onnx</a:t>
+            </a:r>
+            <a:r>
+              <a:rPr lang="fr-FR" dirty="0"/>
+              <a:t>")</a:t>
+            </a:r>
+          </a:p>
+          <a:p>
+            <a:r>
+              <a:rPr lang="fr-FR" dirty="0"/>
+              <a:t>.NET</a:t>
+            </a:r>
+          </a:p>
+          <a:p>
+            <a:pPr lvl="1"/>
+            <a:r>
+              <a:rPr lang="fr-FR" sz="2000" dirty="0"/>
+              <a:t>var pipeline = </a:t>
+            </a:r>
+            <a:r>
+              <a:rPr lang="fr-FR" sz="2000" dirty="0" err="1"/>
+              <a:t>mlContext.Transforms.ApplyOnnxModel</a:t>
+            </a:r>
+            <a:r>
+              <a:rPr lang="fr-FR" sz="2000" dirty="0"/>
+              <a:t>("</a:t>
+            </a:r>
+            <a:r>
+              <a:rPr lang="fr-FR" sz="2000" dirty="0" err="1"/>
+              <a:t>model.onnx</a:t>
+            </a:r>
+            <a:r>
+              <a:rPr lang="fr-FR" sz="2000" dirty="0"/>
+              <a:t>")</a:t>
+            </a:r>
+          </a:p>
+          <a:p>
+            <a:pPr lvl="1"/>
+            <a:endParaRPr lang="fr-FR" dirty="0"/>
           </a:p>
         </p:txBody>
       </p:sp>
     </p:spTree>
     <p:extLst>
       <p:ext uri="{BB962C8B-B14F-4D97-AF65-F5344CB8AC3E}">
-        <p14:creationId xmlns:p14="http://schemas.microsoft.com/office/powerpoint/2010/main" val="1886155720"/>
+        <p14:creationId xmlns:p14="http://schemas.microsoft.com/office/powerpoint/2010/main" val="4017057312"/>
       </p:ext>
     </p:extLst>
   </p:cSld>
@@ -8551,13 +8575,7 @@
       </p:grpSpPr>
       <p:sp>
         <p:nvSpPr>
-          <p:cNvPr id="2" name="Titre 1">
-            <a:extLst>
-              <a:ext uri="{FF2B5EF4-FFF2-40B4-BE49-F238E27FC236}">
-                <a16:creationId xmlns:a16="http://schemas.microsoft.com/office/drawing/2014/main" id="{D9B0984B-C31F-4507-B93B-379E1A983053}"/>
-              </a:ext>
-            </a:extLst>
-          </p:cNvPr>
+          <p:cNvPr id="2" name="Titre 1"/>
           <p:cNvSpPr>
             <a:spLocks noGrp="1"/>
           </p:cNvSpPr>
@@ -8572,20 +8590,19 @@
           <a:p>
             <a:r>
               <a:rPr lang="fr-FR" dirty="0"/>
-              <a:t>ONNX</a:t>
-            </a:r>
-          </a:p>
-        </p:txBody>
-      </p:sp>
-      <p:sp>
-        <p:nvSpPr>
-          <p:cNvPr id="3" name="Espace réservé du contenu 2">
-            <a:extLst>
-              <a:ext uri="{FF2B5EF4-FFF2-40B4-BE49-F238E27FC236}">
-                <a16:creationId xmlns:a16="http://schemas.microsoft.com/office/drawing/2014/main" id="{B8236F60-43BF-4292-8C86-19259F6CFC16}"/>
-              </a:ext>
-            </a:extLst>
-          </p:cNvPr>
+              <a:t>Optimisation du </a:t>
+            </a:r>
+            <a:r>
+              <a:rPr lang="fr-FR" dirty="0" err="1"/>
+              <a:t>loss</a:t>
+            </a:r>
+            <a:endParaRPr lang="fr-FR" dirty="0"/>
+          </a:p>
+        </p:txBody>
+      </p:sp>
+      <p:sp>
+        <p:nvSpPr>
+          <p:cNvPr id="3" name="Espace réservé du contenu 2"/>
           <p:cNvSpPr>
             <a:spLocks noGrp="1"/>
           </p:cNvSpPr>
@@ -8600,101 +8617,42 @@
           <a:p>
             <a:r>
               <a:rPr lang="fr-FR" dirty="0"/>
-              <a:t>Open Neural Network Exchange</a:t>
-            </a:r>
-          </a:p>
-          <a:p>
-            <a:pPr lvl="1"/>
-            <a:r>
-              <a:rPr lang="fr-FR" dirty="0" err="1"/>
-              <a:t>pip</a:t>
-            </a:r>
-            <a:r>
-              <a:rPr lang="fr-FR" dirty="0"/>
-              <a:t> </a:t>
-            </a:r>
-            <a:r>
-              <a:rPr lang="fr-FR" dirty="0" err="1"/>
-              <a:t>install</a:t>
-            </a:r>
-            <a:r>
-              <a:rPr lang="fr-FR" dirty="0"/>
-              <a:t> keras2onnx</a:t>
-            </a:r>
-          </a:p>
-          <a:p>
-            <a:pPr lvl="1"/>
-            <a:r>
-              <a:rPr lang="fr-FR" dirty="0" err="1"/>
-              <a:t>onnx_model</a:t>
-            </a:r>
-            <a:r>
-              <a:rPr lang="fr-FR" dirty="0"/>
-              <a:t> = keras2onnx.convert_keras(model, model.name)</a:t>
-            </a:r>
-          </a:p>
-          <a:p>
-            <a:pPr lvl="1"/>
-            <a:r>
-              <a:rPr lang="fr-FR" dirty="0"/>
-              <a:t>keras2onnx.save_model(</a:t>
-            </a:r>
-            <a:r>
-              <a:rPr lang="fr-FR" dirty="0" err="1"/>
-              <a:t>onnx_model</a:t>
-            </a:r>
-            <a:r>
-              <a:rPr lang="fr-FR" dirty="0"/>
-              <a:t>, "</a:t>
-            </a:r>
-            <a:r>
-              <a:rPr lang="fr-FR" dirty="0" err="1"/>
-              <a:t>model.onnx</a:t>
-            </a:r>
-            <a:r>
-              <a:rPr lang="fr-FR" dirty="0"/>
-              <a:t>")</a:t>
-            </a:r>
-          </a:p>
-          <a:p>
-            <a:r>
-              <a:rPr lang="fr-FR" dirty="0"/>
-              <a:t>.NET</a:t>
-            </a:r>
-          </a:p>
-          <a:p>
-            <a:pPr lvl="1"/>
-            <a:r>
-              <a:rPr lang="fr-FR" sz="2000" dirty="0"/>
-              <a:t>var pipeline = </a:t>
-            </a:r>
-            <a:r>
-              <a:rPr lang="fr-FR" sz="2000" dirty="0" err="1"/>
-              <a:t>mlContext.Transforms.ApplyOnnxModel</a:t>
-            </a:r>
-            <a:r>
-              <a:rPr lang="fr-FR" sz="2000" dirty="0"/>
-              <a:t>("</a:t>
-            </a:r>
-            <a:r>
-              <a:rPr lang="fr-FR" sz="2000" dirty="0" err="1"/>
-              <a:t>model.onnx</a:t>
-            </a:r>
-            <a:r>
-              <a:rPr lang="fr-FR" sz="2000" dirty="0"/>
-              <a:t>")</a:t>
-            </a:r>
-          </a:p>
-          <a:p>
-            <a:pPr lvl="1"/>
+              <a:t>Il est possible de customiser la fonction de </a:t>
+            </a:r>
+            <a:r>
+              <a:rPr lang="fr-FR" dirty="0" err="1"/>
+              <a:t>loss</a:t>
+            </a:r>
+            <a:r>
+              <a:rPr lang="fr-FR" dirty="0"/>
+              <a:t> et les poids de catégories</a:t>
+            </a:r>
+          </a:p>
+          <a:p>
+            <a:pPr lvl="1"/>
+            <a:r>
+              <a:rPr lang="fr-FR" dirty="0"/>
+              <a:t>Utilisation des fonctions </a:t>
+            </a:r>
+            <a:r>
+              <a:rPr lang="fr-FR" dirty="0" err="1"/>
+              <a:t>Keras</a:t>
+            </a:r>
             <a:endParaRPr lang="fr-FR" dirty="0"/>
+          </a:p>
+          <a:p>
+            <a:pPr lvl="1"/>
+            <a:r>
+              <a:rPr lang="fr-FR" dirty="0"/>
+              <a:t>Voir démo</a:t>
+            </a:r>
           </a:p>
         </p:txBody>
       </p:sp>
     </p:spTree>
     <p:extLst>
       <p:ext uri="{BB962C8B-B14F-4D97-AF65-F5344CB8AC3E}">
-        <p14:creationId xmlns:p14="http://schemas.microsoft.com/office/powerpoint/2010/main" val="4017057312"/>
+        <p14:creationId xmlns:p14="http://schemas.microsoft.com/office/powerpoint/2010/main" val="1556496534"/>
       </p:ext>
     </p:extLst>
   </p:cSld>
@@ -8738,13 +8696,8 @@
           <a:p>
             <a:r>
               <a:rPr lang="fr-FR" dirty="0"/>
-              <a:t>Optimisation du </a:t>
-            </a:r>
-            <a:r>
-              <a:rPr lang="fr-FR" dirty="0" err="1"/>
-              <a:t>loss</a:t>
-            </a:r>
-            <a:endParaRPr lang="fr-FR" dirty="0"/>
+              <a:t>Régularisation</a:t>
+            </a:r>
           </a:p>
         </p:txBody>
       </p:sp>
@@ -8764,43 +8717,162 @@
           <a:lstStyle/>
           <a:p>
             <a:r>
-              <a:rPr lang="fr-FR" dirty="0"/>
-              <a:t>Il est possible de customiser la fonction de </a:t>
-            </a:r>
-            <a:r>
-              <a:rPr lang="fr-FR" dirty="0" err="1"/>
-              <a:t>loss</a:t>
-            </a:r>
-            <a:r>
-              <a:rPr lang="fr-FR" dirty="0"/>
-              <a:t> et les poids de catégories</a:t>
-            </a:r>
-          </a:p>
-          <a:p>
-            <a:pPr lvl="1"/>
-            <a:r>
-              <a:rPr lang="fr-FR" dirty="0"/>
-              <a:t>Utilisation des fonctions </a:t>
-            </a:r>
-            <a:r>
-              <a:rPr lang="fr-FR" dirty="0" err="1"/>
-              <a:t>Keras</a:t>
-            </a:r>
-            <a:endParaRPr lang="fr-FR" dirty="0"/>
-          </a:p>
-          <a:p>
-            <a:pPr lvl="1"/>
-            <a:r>
-              <a:rPr lang="fr-FR" dirty="0"/>
-              <a:t>Voir démo</a:t>
-            </a:r>
-          </a:p>
-        </p:txBody>
-      </p:sp>
+              <a:rPr lang="fr-FR" sz="2400" dirty="0"/>
+              <a:t>Le </a:t>
+            </a:r>
+            <a:r>
+              <a:rPr lang="fr-FR" sz="2400" dirty="0" err="1"/>
+              <a:t>DropOut</a:t>
+            </a:r>
+            <a:r>
+              <a:rPr lang="fr-FR" sz="2400" dirty="0"/>
+              <a:t> désactive aléatoirement des perceptrons</a:t>
+            </a:r>
+          </a:p>
+          <a:p>
+            <a:pPr lvl="1"/>
+            <a:r>
+              <a:rPr lang="fr-FR" sz="2000" dirty="0"/>
+              <a:t>Combat le surapprentissage</a:t>
+            </a:r>
+          </a:p>
+          <a:p>
+            <a:pPr lvl="1"/>
+            <a:r>
+              <a:rPr lang="fr-FR" sz="2000" dirty="0"/>
+              <a:t>Evite d'être dépendant d'un neurone</a:t>
+            </a:r>
+          </a:p>
+          <a:p>
+            <a:pPr lvl="1"/>
+            <a:r>
+              <a:rPr lang="fr-FR" sz="2000" dirty="0"/>
+              <a:t>Encourage le réseau dans son ensemble</a:t>
+            </a:r>
+          </a:p>
+          <a:p>
+            <a:pPr lvl="1"/>
+            <a:r>
+              <a:rPr lang="fr-FR" sz="2000" dirty="0"/>
+              <a:t>Désactivé lors de l’inférence par </a:t>
+            </a:r>
+            <a:r>
+              <a:rPr lang="fr-FR" sz="2000" dirty="0" err="1"/>
+              <a:t>predict</a:t>
+            </a:r>
+            <a:r>
+              <a:rPr lang="fr-FR" sz="2000" dirty="0"/>
+              <a:t> et </a:t>
+            </a:r>
+            <a:r>
+              <a:rPr lang="fr-FR" sz="2000" dirty="0" err="1"/>
+              <a:t>evaluate</a:t>
+            </a:r>
+            <a:endParaRPr lang="fr-FR" sz="2000" dirty="0"/>
+          </a:p>
+          <a:p>
+            <a:endParaRPr lang="fr-FR" sz="2400" dirty="0"/>
+          </a:p>
+          <a:p>
+            <a:endParaRPr lang="fr-FR" sz="2400" dirty="0"/>
+          </a:p>
+          <a:p>
+            <a:endParaRPr lang="fr-FR" sz="2400" dirty="0"/>
+          </a:p>
+          <a:p>
+            <a:endParaRPr lang="fr-FR" sz="2400" dirty="0"/>
+          </a:p>
+          <a:p>
+            <a:endParaRPr lang="fr-FR" sz="2400" dirty="0"/>
+          </a:p>
+          <a:p>
+            <a:r>
+              <a:rPr lang="fr-FR" sz="2000" dirty="0"/>
+              <a:t>Le </a:t>
+            </a:r>
+            <a:r>
+              <a:rPr lang="fr-FR" sz="2000" dirty="0" err="1"/>
+              <a:t>DropConnect</a:t>
+            </a:r>
+            <a:r>
+              <a:rPr lang="fr-FR" sz="2000" dirty="0"/>
+              <a:t> désactive aléatoirement un input</a:t>
+            </a:r>
+          </a:p>
+          <a:p>
+            <a:pPr lvl="1"/>
+            <a:r>
+              <a:rPr lang="fr-FR" sz="1800" dirty="0"/>
+              <a:t>Assez identique au </a:t>
+            </a:r>
+            <a:r>
+              <a:rPr lang="fr-FR" sz="1800" dirty="0" err="1"/>
+              <a:t>DropOut</a:t>
+            </a:r>
+            <a:r>
+              <a:rPr lang="fr-FR" sz="1800" dirty="0"/>
+              <a:t> en moins puissant</a:t>
+            </a:r>
+          </a:p>
+          <a:p>
+            <a:pPr lvl="1"/>
+            <a:endParaRPr lang="fr-FR" sz="2000" dirty="0"/>
+          </a:p>
+          <a:p>
+            <a:pPr lvl="1"/>
+            <a:endParaRPr lang="fr-FR" sz="2000" dirty="0"/>
+          </a:p>
+          <a:p>
+            <a:pPr lvl="1"/>
+            <a:endParaRPr lang="fr-FR" sz="2000" dirty="0"/>
+          </a:p>
+        </p:txBody>
+      </p:sp>
+      <p:pic>
+        <p:nvPicPr>
+          <p:cNvPr id="1030" name="Picture 6" descr="https://s3-ap-south-1.amazonaws.com/av-blog-media/wp-content/uploads/2018/04/1IrdJ5PghD9YoOyVAQ73MJw.gif"/>
+          <p:cNvPicPr>
+            <a:picLocks noChangeAspect="1" noChangeArrowheads="1" noCrop="1"/>
+          </p:cNvPicPr>
+          <p:nvPr/>
+        </p:nvPicPr>
+        <p:blipFill>
+          <a:blip r:embed="rId2">
+            <a:extLst>
+              <a:ext uri="{28A0092B-C50C-407E-A947-70E740481C1C}">
+                <a14:useLocalDpi xmlns:a14="http://schemas.microsoft.com/office/drawing/2010/main" val="0"/>
+              </a:ext>
+            </a:extLst>
+          </a:blip>
+          <a:srcRect/>
+          <a:stretch>
+            <a:fillRect/>
+          </a:stretch>
+        </p:blipFill>
+        <p:spPr bwMode="auto">
+          <a:xfrm>
+            <a:off x="2987824" y="3305648"/>
+            <a:ext cx="3672408" cy="2139576"/>
+          </a:xfrm>
+          <a:prstGeom prst="rect">
+            <a:avLst/>
+          </a:prstGeom>
+          <a:noFill/>
+          <a:extLst>
+            <a:ext uri="{909E8E84-426E-40DD-AFC4-6F175D3DCCD1}">
+              <a14:hiddenFill xmlns:a14="http://schemas.microsoft.com/office/drawing/2010/main">
+                <a:solidFill>
+                  <a:srgbClr val="FFFFFF"/>
+                </a:solidFill>
+              </a14:hiddenFill>
+            </a:ext>
+          </a:extLst>
+        </p:spPr>
+      </p:pic>
     </p:spTree>
     <p:extLst>
       <p:ext uri="{BB962C8B-B14F-4D97-AF65-F5344CB8AC3E}">
-        <p14:creationId xmlns:p14="http://schemas.microsoft.com/office/powerpoint/2010/main" val="1556496534"/>
+        <p14:creationId xmlns:p14="http://schemas.microsoft.com/office/powerpoint/2010/main" val="3704924751"/>
       </p:ext>
     </p:extLst>
   </p:cSld>
@@ -8945,226 +9017,6 @@
           <a:p>
             <a:r>
               <a:rPr lang="fr-FR" dirty="0"/>
-              <a:t>Régularisation</a:t>
-            </a:r>
-          </a:p>
-        </p:txBody>
-      </p:sp>
-      <p:sp>
-        <p:nvSpPr>
-          <p:cNvPr id="3" name="Espace réservé du contenu 2"/>
-          <p:cNvSpPr>
-            <a:spLocks noGrp="1"/>
-          </p:cNvSpPr>
-          <p:nvPr>
-            <p:ph idx="1"/>
-          </p:nvPr>
-        </p:nvSpPr>
-        <p:spPr/>
-        <p:txBody>
-          <a:bodyPr/>
-          <a:lstStyle/>
-          <a:p>
-            <a:r>
-              <a:rPr lang="fr-FR" sz="2400" dirty="0"/>
-              <a:t>Le </a:t>
-            </a:r>
-            <a:r>
-              <a:rPr lang="fr-FR" sz="2400" dirty="0" err="1"/>
-              <a:t>DropOut</a:t>
-            </a:r>
-            <a:r>
-              <a:rPr lang="fr-FR" sz="2400" dirty="0"/>
-              <a:t> désactive aléatoirement des perceptrons</a:t>
-            </a:r>
-          </a:p>
-          <a:p>
-            <a:pPr lvl="1"/>
-            <a:r>
-              <a:rPr lang="fr-FR" sz="2000" dirty="0"/>
-              <a:t>Combat le surapprentissage</a:t>
-            </a:r>
-          </a:p>
-          <a:p>
-            <a:pPr lvl="1"/>
-            <a:r>
-              <a:rPr lang="fr-FR" sz="2000" dirty="0"/>
-              <a:t>Evite d'être dépendant d'un neurone</a:t>
-            </a:r>
-          </a:p>
-          <a:p>
-            <a:pPr lvl="1"/>
-            <a:r>
-              <a:rPr lang="fr-FR" sz="2000" dirty="0"/>
-              <a:t>Encourage le réseau dans son ensemble</a:t>
-            </a:r>
-          </a:p>
-          <a:p>
-            <a:pPr lvl="1"/>
-            <a:r>
-              <a:rPr lang="fr-FR" sz="2000" dirty="0"/>
-              <a:t>Désactivé lors de l’inférence par </a:t>
-            </a:r>
-            <a:r>
-              <a:rPr lang="fr-FR" sz="2000" dirty="0" err="1"/>
-              <a:t>predict</a:t>
-            </a:r>
-            <a:r>
-              <a:rPr lang="fr-FR" sz="2000" dirty="0"/>
-              <a:t> et </a:t>
-            </a:r>
-            <a:r>
-              <a:rPr lang="fr-FR" sz="2000" dirty="0" err="1"/>
-              <a:t>evaluate</a:t>
-            </a:r>
-            <a:endParaRPr lang="fr-FR" sz="2000" dirty="0"/>
-          </a:p>
-          <a:p>
-            <a:endParaRPr lang="fr-FR" sz="2400" dirty="0"/>
-          </a:p>
-          <a:p>
-            <a:endParaRPr lang="fr-FR" sz="2400" dirty="0"/>
-          </a:p>
-          <a:p>
-            <a:endParaRPr lang="fr-FR" sz="2400" dirty="0"/>
-          </a:p>
-          <a:p>
-            <a:endParaRPr lang="fr-FR" sz="2400" dirty="0"/>
-          </a:p>
-          <a:p>
-            <a:endParaRPr lang="fr-FR" sz="2400" dirty="0"/>
-          </a:p>
-          <a:p>
-            <a:r>
-              <a:rPr lang="fr-FR" sz="2000" dirty="0"/>
-              <a:t>Le </a:t>
-            </a:r>
-            <a:r>
-              <a:rPr lang="fr-FR" sz="2000" dirty="0" err="1"/>
-              <a:t>DropConnect</a:t>
-            </a:r>
-            <a:r>
-              <a:rPr lang="fr-FR" sz="2000" dirty="0"/>
-              <a:t> désactive aléatoirement un input</a:t>
-            </a:r>
-          </a:p>
-          <a:p>
-            <a:pPr lvl="1"/>
-            <a:r>
-              <a:rPr lang="fr-FR" sz="1800" dirty="0"/>
-              <a:t>Assez identique au </a:t>
-            </a:r>
-            <a:r>
-              <a:rPr lang="fr-FR" sz="1800" dirty="0" err="1"/>
-              <a:t>DropOut</a:t>
-            </a:r>
-            <a:r>
-              <a:rPr lang="fr-FR" sz="1800" dirty="0"/>
-              <a:t> en moins puissant</a:t>
-            </a:r>
-          </a:p>
-          <a:p>
-            <a:pPr lvl="1"/>
-            <a:endParaRPr lang="fr-FR" sz="2000" dirty="0"/>
-          </a:p>
-          <a:p>
-            <a:pPr lvl="1"/>
-            <a:endParaRPr lang="fr-FR" sz="2000" dirty="0"/>
-          </a:p>
-          <a:p>
-            <a:pPr lvl="1"/>
-            <a:endParaRPr lang="fr-FR" sz="2000" dirty="0"/>
-          </a:p>
-        </p:txBody>
-      </p:sp>
-      <p:pic>
-        <p:nvPicPr>
-          <p:cNvPr id="1030" name="Picture 6" descr="https://s3-ap-south-1.amazonaws.com/av-blog-media/wp-content/uploads/2018/04/1IrdJ5PghD9YoOyVAQ73MJw.gif"/>
-          <p:cNvPicPr>
-            <a:picLocks noChangeAspect="1" noChangeArrowheads="1" noCrop="1"/>
-          </p:cNvPicPr>
-          <p:nvPr/>
-        </p:nvPicPr>
-        <p:blipFill>
-          <a:blip r:embed="rId2">
-            <a:extLst>
-              <a:ext uri="{28A0092B-C50C-407E-A947-70E740481C1C}">
-                <a14:useLocalDpi xmlns:a14="http://schemas.microsoft.com/office/drawing/2010/main" val="0"/>
-              </a:ext>
-            </a:extLst>
-          </a:blip>
-          <a:srcRect/>
-          <a:stretch>
-            <a:fillRect/>
-          </a:stretch>
-        </p:blipFill>
-        <p:spPr bwMode="auto">
-          <a:xfrm>
-            <a:off x="2987824" y="3305648"/>
-            <a:ext cx="3672408" cy="2139576"/>
-          </a:xfrm>
-          <a:prstGeom prst="rect">
-            <a:avLst/>
-          </a:prstGeom>
-          <a:noFill/>
-          <a:extLst>
-            <a:ext uri="{909E8E84-426E-40DD-AFC4-6F175D3DCCD1}">
-              <a14:hiddenFill xmlns:a14="http://schemas.microsoft.com/office/drawing/2010/main">
-                <a:solidFill>
-                  <a:srgbClr val="FFFFFF"/>
-                </a:solidFill>
-              </a14:hiddenFill>
-            </a:ext>
-          </a:extLst>
-        </p:spPr>
-      </p:pic>
-    </p:spTree>
-    <p:extLst>
-      <p:ext uri="{BB962C8B-B14F-4D97-AF65-F5344CB8AC3E}">
-        <p14:creationId xmlns:p14="http://schemas.microsoft.com/office/powerpoint/2010/main" val="3704924751"/>
-      </p:ext>
-    </p:extLst>
-  </p:cSld>
-  <p:clrMapOvr>
-    <a:masterClrMapping/>
-  </p:clrMapOvr>
-</p:sld>
-</file>
-
-<file path=ppt/slides/slide41.xml><?xml version="1.0" encoding="utf-8"?>
-<p:sld xmlns:a="http://schemas.openxmlformats.org/drawingml/2006/main" xmlns:r="http://schemas.openxmlformats.org/officeDocument/2006/relationships" xmlns:p="http://schemas.openxmlformats.org/presentationml/2006/main">
-  <p:cSld>
-    <p:spTree>
-      <p:nvGrpSpPr>
-        <p:cNvPr id="1" name=""/>
-        <p:cNvGrpSpPr/>
-        <p:nvPr/>
-      </p:nvGrpSpPr>
-      <p:grpSpPr>
-        <a:xfrm>
-          <a:off x="0" y="0"/>
-          <a:ext cx="0" cy="0"/>
-          <a:chOff x="0" y="0"/>
-          <a:chExt cx="0" cy="0"/>
-        </a:xfrm>
-      </p:grpSpPr>
-      <p:sp>
-        <p:nvSpPr>
-          <p:cNvPr id="2" name="Titre 1"/>
-          <p:cNvSpPr>
-            <a:spLocks noGrp="1"/>
-          </p:cNvSpPr>
-          <p:nvPr>
-            <p:ph type="title"/>
-          </p:nvPr>
-        </p:nvSpPr>
-        <p:spPr/>
-        <p:txBody>
-          <a:bodyPr/>
-          <a:lstStyle/>
-          <a:p>
-            <a:r>
-              <a:rPr lang="fr-FR" dirty="0"/>
               <a:t>Compréhension des résultats</a:t>
             </a:r>
           </a:p>
@@ -9359,7 +9211,7 @@
 </p:sld>
 </file>
 
-<file path=ppt/slides/slide42.xml><?xml version="1.0" encoding="utf-8"?>
+<file path=ppt/slides/slide41.xml><?xml version="1.0" encoding="utf-8"?>
 <p:sld xmlns:a="http://schemas.openxmlformats.org/drawingml/2006/main" xmlns:r="http://schemas.openxmlformats.org/officeDocument/2006/relationships" xmlns:p="http://schemas.openxmlformats.org/presentationml/2006/main">
   <p:cSld>
     <p:spTree>
@@ -9493,7 +9345,7 @@
 </p:sld>
 </file>
 
-<file path=ppt/slides/slide43.xml><?xml version="1.0" encoding="utf-8"?>
+<file path=ppt/slides/slide42.xml><?xml version="1.0" encoding="utf-8"?>
 <p:sld xmlns:a="http://schemas.openxmlformats.org/drawingml/2006/main" xmlns:r="http://schemas.openxmlformats.org/officeDocument/2006/relationships" xmlns:p="http://schemas.openxmlformats.org/presentationml/2006/main">
   <p:cSld>
     <p:spTree>
@@ -9615,7 +9467,7 @@
 </p:sld>
 </file>
 
-<file path=ppt/slides/slide44.xml><?xml version="1.0" encoding="utf-8"?>
+<file path=ppt/slides/slide43.xml><?xml version="1.0" encoding="utf-8"?>
 <p:sld xmlns:a="http://schemas.openxmlformats.org/drawingml/2006/main" xmlns:r="http://schemas.openxmlformats.org/officeDocument/2006/relationships" xmlns:p="http://schemas.openxmlformats.org/presentationml/2006/main">
   <p:cSld>
     <p:spTree>
@@ -9754,7 +9606,7 @@
 </p:sld>
 </file>
 
-<file path=ppt/slides/slide45.xml><?xml version="1.0" encoding="utf-8"?>
+<file path=ppt/slides/slide44.xml><?xml version="1.0" encoding="utf-8"?>
 <p:sld xmlns:a="http://schemas.openxmlformats.org/drawingml/2006/main" xmlns:r="http://schemas.openxmlformats.org/officeDocument/2006/relationships" xmlns:p="http://schemas.openxmlformats.org/presentationml/2006/main">
   <p:cSld>
     <p:spTree>
@@ -9932,7 +9784,7 @@
 </p:sld>
 </file>
 
-<file path=ppt/slides/slide46.xml><?xml version="1.0" encoding="utf-8"?>
+<file path=ppt/slides/slide45.xml><?xml version="1.0" encoding="utf-8"?>
 <p:sld xmlns:a="http://schemas.openxmlformats.org/drawingml/2006/main" xmlns:r="http://schemas.openxmlformats.org/officeDocument/2006/relationships" xmlns:p="http://schemas.openxmlformats.org/presentationml/2006/main">
   <p:cSld>
     <p:spTree>

--- a/ppt/DeepLearning09-Keras.pptx
+++ b/ppt/DeepLearning09-Keras.pptx
@@ -7243,7 +7243,15 @@
           <a:p>
             <a:r>
               <a:rPr lang="fr-FR" dirty="0"/>
-              <a:t>Standardisation d’un jeux de données</a:t>
+              <a:t>Standardisation </a:t>
+            </a:r>
+            <a:r>
+              <a:rPr lang="fr-FR"/>
+              <a:t>d’un jeu </a:t>
+            </a:r>
+            <a:r>
+              <a:rPr lang="fr-FR" dirty="0"/>
+              <a:t>de données</a:t>
             </a:r>
           </a:p>
         </p:txBody>
